--- a/Documents/JIRA.pptx
+++ b/Documents/JIRA.pptx
@@ -6,13 +6,15 @@
   </p:sldMasterIdLst>
   <p:sldIdLst>
     <p:sldId id="256" r:id="rId2"/>
-    <p:sldId id="257" r:id="rId3"/>
-    <p:sldId id="258" r:id="rId4"/>
-    <p:sldId id="259" r:id="rId5"/>
-    <p:sldId id="260" r:id="rId6"/>
-    <p:sldId id="261" r:id="rId7"/>
-    <p:sldId id="262" r:id="rId8"/>
-    <p:sldId id="264" r:id="rId9"/>
+    <p:sldId id="266" r:id="rId3"/>
+    <p:sldId id="257" r:id="rId4"/>
+    <p:sldId id="258" r:id="rId5"/>
+    <p:sldId id="259" r:id="rId6"/>
+    <p:sldId id="267" r:id="rId7"/>
+    <p:sldId id="260" r:id="rId8"/>
+    <p:sldId id="261" r:id="rId9"/>
+    <p:sldId id="262" r:id="rId10"/>
+    <p:sldId id="264" r:id="rId11"/>
   </p:sldIdLst>
   <p:sldSz cx="12192000" cy="6858000"/>
   <p:notesSz cx="6858000" cy="9144000"/>
@@ -266,7 +268,7 @@
           <a:p>
             <a:fld id="{A6BC2FF7-D78A-48C8-BEF1-88B598F8D92E}" type="datetimeFigureOut">
               <a:rPr lang="it-IT" smtClean="0"/>
-              <a:t>11/04/2020</a:t>
+              <a:t>13/04/2020</a:t>
             </a:fld>
             <a:endParaRPr lang="it-IT"/>
           </a:p>
@@ -464,7 +466,7 @@
           <a:p>
             <a:fld id="{A6BC2FF7-D78A-48C8-BEF1-88B598F8D92E}" type="datetimeFigureOut">
               <a:rPr lang="it-IT" smtClean="0"/>
-              <a:t>11/04/2020</a:t>
+              <a:t>13/04/2020</a:t>
             </a:fld>
             <a:endParaRPr lang="it-IT"/>
           </a:p>
@@ -672,7 +674,7 @@
           <a:p>
             <a:fld id="{A6BC2FF7-D78A-48C8-BEF1-88B598F8D92E}" type="datetimeFigureOut">
               <a:rPr lang="it-IT" smtClean="0"/>
-              <a:t>11/04/2020</a:t>
+              <a:t>13/04/2020</a:t>
             </a:fld>
             <a:endParaRPr lang="it-IT"/>
           </a:p>
@@ -870,7 +872,7 @@
           <a:p>
             <a:fld id="{A6BC2FF7-D78A-48C8-BEF1-88B598F8D92E}" type="datetimeFigureOut">
               <a:rPr lang="it-IT" smtClean="0"/>
-              <a:t>11/04/2020</a:t>
+              <a:t>13/04/2020</a:t>
             </a:fld>
             <a:endParaRPr lang="it-IT"/>
           </a:p>
@@ -1145,7 +1147,7 @@
           <a:p>
             <a:fld id="{A6BC2FF7-D78A-48C8-BEF1-88B598F8D92E}" type="datetimeFigureOut">
               <a:rPr lang="it-IT" smtClean="0"/>
-              <a:t>11/04/2020</a:t>
+              <a:t>13/04/2020</a:t>
             </a:fld>
             <a:endParaRPr lang="it-IT"/>
           </a:p>
@@ -1410,7 +1412,7 @@
           <a:p>
             <a:fld id="{A6BC2FF7-D78A-48C8-BEF1-88B598F8D92E}" type="datetimeFigureOut">
               <a:rPr lang="it-IT" smtClean="0"/>
-              <a:t>11/04/2020</a:t>
+              <a:t>13/04/2020</a:t>
             </a:fld>
             <a:endParaRPr lang="it-IT"/>
           </a:p>
@@ -1822,7 +1824,7 @@
           <a:p>
             <a:fld id="{A6BC2FF7-D78A-48C8-BEF1-88B598F8D92E}" type="datetimeFigureOut">
               <a:rPr lang="it-IT" smtClean="0"/>
-              <a:t>11/04/2020</a:t>
+              <a:t>13/04/2020</a:t>
             </a:fld>
             <a:endParaRPr lang="it-IT"/>
           </a:p>
@@ -1963,7 +1965,7 @@
           <a:p>
             <a:fld id="{A6BC2FF7-D78A-48C8-BEF1-88B598F8D92E}" type="datetimeFigureOut">
               <a:rPr lang="it-IT" smtClean="0"/>
-              <a:t>11/04/2020</a:t>
+              <a:t>13/04/2020</a:t>
             </a:fld>
             <a:endParaRPr lang="it-IT"/>
           </a:p>
@@ -2076,7 +2078,7 @@
           <a:p>
             <a:fld id="{A6BC2FF7-D78A-48C8-BEF1-88B598F8D92E}" type="datetimeFigureOut">
               <a:rPr lang="it-IT" smtClean="0"/>
-              <a:t>11/04/2020</a:t>
+              <a:t>13/04/2020</a:t>
             </a:fld>
             <a:endParaRPr lang="it-IT"/>
           </a:p>
@@ -2387,7 +2389,7 @@
           <a:p>
             <a:fld id="{A6BC2FF7-D78A-48C8-BEF1-88B598F8D92E}" type="datetimeFigureOut">
               <a:rPr lang="it-IT" smtClean="0"/>
-              <a:t>11/04/2020</a:t>
+              <a:t>13/04/2020</a:t>
             </a:fld>
             <a:endParaRPr lang="it-IT"/>
           </a:p>
@@ -2675,7 +2677,7 @@
           <a:p>
             <a:fld id="{A6BC2FF7-D78A-48C8-BEF1-88B598F8D92E}" type="datetimeFigureOut">
               <a:rPr lang="it-IT" smtClean="0"/>
-              <a:t>11/04/2020</a:t>
+              <a:t>13/04/2020</a:t>
             </a:fld>
             <a:endParaRPr lang="it-IT"/>
           </a:p>
@@ -2916,7 +2918,7 @@
           <a:p>
             <a:fld id="{A6BC2FF7-D78A-48C8-BEF1-88B598F8D92E}" type="datetimeFigureOut">
               <a:rPr lang="it-IT" smtClean="0"/>
-              <a:t>11/04/2020</a:t>
+              <a:t>13/04/2020</a:t>
             </a:fld>
             <a:endParaRPr lang="it-IT"/>
           </a:p>
@@ -3394,10 +3396,13 @@
             </a:r>
           </a:p>
           <a:p>
-            <a:endParaRPr lang="it-IT" dirty="0">
-              <a:latin typeface="Cambria" panose="02040503050406030204" pitchFamily="18" charset="0"/>
-              <a:ea typeface="Cambria" panose="02040503050406030204" pitchFamily="18" charset="0"/>
-            </a:endParaRPr>
+            <a:r>
+              <a:rPr lang="it-IT" dirty="0">
+                <a:latin typeface="Cambria" panose="02040503050406030204" pitchFamily="18" charset="0"/>
+                <a:ea typeface="Cambria" panose="02040503050406030204" pitchFamily="18" charset="0"/>
+              </a:rPr>
+              <a:t>V - 1.0.1</a:t>
+            </a:r>
           </a:p>
         </p:txBody>
       </p:sp>
@@ -3405,6 +3410,219 @@
     <p:extLst>
       <p:ext uri="{BB962C8B-B14F-4D97-AF65-F5344CB8AC3E}">
         <p14:creationId xmlns:p14="http://schemas.microsoft.com/office/powerpoint/2010/main" val="3830075868"/>
+      </p:ext>
+    </p:extLst>
+  </p:cSld>
+  <p:clrMapOvr>
+    <a:masterClrMapping/>
+  </p:clrMapOvr>
+</p:sld>
+</file>
+
+<file path=ppt/slides/slide10.xml><?xml version="1.0" encoding="utf-8"?>
+<p:sld xmlns:a="http://schemas.openxmlformats.org/drawingml/2006/main" xmlns:r="http://schemas.openxmlformats.org/officeDocument/2006/relationships" xmlns:p="http://schemas.openxmlformats.org/presentationml/2006/main">
+  <p:cSld>
+    <p:spTree>
+      <p:nvGrpSpPr>
+        <p:cNvPr id="1" name=""/>
+        <p:cNvGrpSpPr/>
+        <p:nvPr/>
+      </p:nvGrpSpPr>
+      <p:grpSpPr>
+        <a:xfrm>
+          <a:off x="0" y="0"/>
+          <a:ext cx="0" cy="0"/>
+          <a:chOff x="0" y="0"/>
+          <a:chExt cx="0" cy="0"/>
+        </a:xfrm>
+      </p:grpSpPr>
+      <p:sp>
+        <p:nvSpPr>
+          <p:cNvPr id="3" name="Segnaposto contenuto 2">
+            <a:extLst>
+              <a:ext uri="{FF2B5EF4-FFF2-40B4-BE49-F238E27FC236}">
+                <a16:creationId xmlns:a16="http://schemas.microsoft.com/office/drawing/2014/main" id="{D421A1B5-0CCC-46F3-8ECB-21F008D70FBC}"/>
+              </a:ext>
+            </a:extLst>
+          </p:cNvPr>
+          <p:cNvSpPr>
+            <a:spLocks noGrp="1"/>
+          </p:cNvSpPr>
+          <p:nvPr>
+            <p:ph sz="half" idx="1"/>
+          </p:nvPr>
+        </p:nvSpPr>
+        <p:spPr>
+          <a:xfrm>
+            <a:off x="838200" y="1825625"/>
+            <a:ext cx="7879520" cy="4351338"/>
+          </a:xfrm>
+          <a:ln w="38100">
+            <a:noFill/>
+          </a:ln>
+        </p:spPr>
+        <p:style>
+          <a:lnRef idx="2">
+            <a:schemeClr val="accent1"/>
+          </a:lnRef>
+          <a:fillRef idx="1">
+            <a:schemeClr val="lt1"/>
+          </a:fillRef>
+          <a:effectRef idx="0">
+            <a:schemeClr val="accent1"/>
+          </a:effectRef>
+          <a:fontRef idx="minor">
+            <a:schemeClr val="dk1"/>
+          </a:fontRef>
+        </p:style>
+        <p:txBody>
+          <a:bodyPr anchor="ctr">
+            <a:normAutofit/>
+          </a:bodyPr>
+          <a:lstStyle/>
+          <a:p>
+            <a:pPr marL="0" indent="0" algn="just">
+              <a:buNone/>
+            </a:pPr>
+            <a:r>
+              <a:rPr lang="it-IT" sz="2000" dirty="0"/>
+              <a:t>E’ possibile interagire con GitHub. Al momento è presente un link diretto tra JIRA  GitHub ma non ho approfondito che tipo di relazione c’è e come eventualmente può essere usata. </a:t>
+            </a:r>
+          </a:p>
+          <a:p>
+            <a:pPr marL="0" indent="0" algn="just">
+              <a:buNone/>
+            </a:pPr>
+            <a:r>
+              <a:rPr lang="it-IT" sz="2000" dirty="0"/>
+              <a:t>Vediamo un esempio pratico di interazione tra JIRA/GIT/GITHUB.</a:t>
+            </a:r>
+          </a:p>
+          <a:p>
+            <a:pPr marL="0" indent="0" algn="just">
+              <a:buNone/>
+            </a:pPr>
+            <a:r>
+              <a:rPr lang="it-IT" sz="2000" dirty="0">
+                <a:sym typeface="Wingdings" panose="05000000000000000000" pitchFamily="2" charset="2"/>
+              </a:rPr>
+              <a:t> Sviluppo quotidiano.</a:t>
+            </a:r>
+            <a:endParaRPr lang="it-IT" sz="2000" dirty="0"/>
+          </a:p>
+          <a:p>
+            <a:pPr marL="0" indent="0" algn="just">
+              <a:buNone/>
+            </a:pPr>
+            <a:r>
+              <a:rPr lang="it-IT" sz="2000" dirty="0"/>
+              <a:t>Apro JIRA, leggo la roadmap e decido di sviluppare un CRXXXX. Cambio il suo stato da «TO DO» a «IN PROGRESS». Passo allo sviluppo con </a:t>
+            </a:r>
+            <a:r>
+              <a:rPr lang="it-IT" sz="2000" dirty="0" err="1"/>
+              <a:t>Git</a:t>
+            </a:r>
+            <a:r>
+              <a:rPr lang="it-IT" sz="2000" dirty="0"/>
+              <a:t>. Una volta completato lo sviluppo aggiungo come commento al </a:t>
+            </a:r>
+            <a:r>
+              <a:rPr lang="it-IT" sz="2000" dirty="0" err="1"/>
+              <a:t>commit</a:t>
+            </a:r>
+            <a:r>
+              <a:rPr lang="it-IT" sz="2000" dirty="0"/>
+              <a:t> il tag CRXXXX in modo tale da avere traccia che quella modifica ha risolto il CRXXXX mappato su JIRA. A questo punto, su JIRA aggiorno lo stato del CRXXXX da «IN PROGRESS» a «DONE» aggiungendo eventualmente commenti.</a:t>
+            </a:r>
+          </a:p>
+        </p:txBody>
+      </p:sp>
+      <p:sp>
+        <p:nvSpPr>
+          <p:cNvPr id="5" name="Titolo 1">
+            <a:extLst>
+              <a:ext uri="{FF2B5EF4-FFF2-40B4-BE49-F238E27FC236}">
+                <a16:creationId xmlns:a16="http://schemas.microsoft.com/office/drawing/2014/main" id="{5A77EFA4-6D7E-4131-9284-434DB0067756}"/>
+              </a:ext>
+            </a:extLst>
+          </p:cNvPr>
+          <p:cNvSpPr>
+            <a:spLocks noGrp="1"/>
+          </p:cNvSpPr>
+          <p:nvPr>
+            <p:ph type="title"/>
+          </p:nvPr>
+        </p:nvSpPr>
+        <p:spPr>
+          <a:xfrm>
+            <a:off x="838200" y="365125"/>
+            <a:ext cx="10515600" cy="1325563"/>
+          </a:xfrm>
+          <a:ln/>
+        </p:spPr>
+        <p:style>
+          <a:lnRef idx="2">
+            <a:schemeClr val="accent1">
+              <a:shade val="50000"/>
+            </a:schemeClr>
+          </a:lnRef>
+          <a:fillRef idx="1">
+            <a:schemeClr val="accent1"/>
+          </a:fillRef>
+          <a:effectRef idx="0">
+            <a:schemeClr val="accent1"/>
+          </a:effectRef>
+          <a:fontRef idx="minor">
+            <a:schemeClr val="lt1"/>
+          </a:fontRef>
+        </p:style>
+        <p:txBody>
+          <a:bodyPr/>
+          <a:lstStyle/>
+          <a:p>
+            <a:r>
+              <a:rPr lang="it-IT" dirty="0"/>
+              <a:t>JIRA – GitHub &amp; Conclusioni</a:t>
+            </a:r>
+          </a:p>
+        </p:txBody>
+      </p:sp>
+      <p:pic>
+        <p:nvPicPr>
+          <p:cNvPr id="10" name="Segnaposto contenuto 7">
+            <a:extLst>
+              <a:ext uri="{FF2B5EF4-FFF2-40B4-BE49-F238E27FC236}">
+                <a16:creationId xmlns:a16="http://schemas.microsoft.com/office/drawing/2014/main" id="{9219281A-398D-4FF2-BF1E-FDBEF10F9D6A}"/>
+              </a:ext>
+            </a:extLst>
+          </p:cNvPr>
+          <p:cNvPicPr>
+            <a:picLocks noGrp="1" noChangeAspect="1"/>
+          </p:cNvPicPr>
+          <p:nvPr>
+            <p:ph sz="half" idx="2"/>
+          </p:nvPr>
+        </p:nvPicPr>
+        <p:blipFill>
+          <a:blip r:embed="rId2"/>
+          <a:stretch>
+            <a:fillRect/>
+          </a:stretch>
+        </p:blipFill>
+        <p:spPr>
+          <a:xfrm>
+            <a:off x="8717720" y="1825625"/>
+            <a:ext cx="2636080" cy="4351338"/>
+          </a:xfrm>
+          <a:prstGeom prst="rect">
+            <a:avLst/>
+          </a:prstGeom>
+        </p:spPr>
+      </p:pic>
+    </p:spTree>
+    <p:extLst>
+      <p:ext uri="{BB962C8B-B14F-4D97-AF65-F5344CB8AC3E}">
+        <p14:creationId xmlns:p14="http://schemas.microsoft.com/office/powerpoint/2010/main" val="1183338106"/>
       </p:ext>
     </p:extLst>
   </p:cSld>
@@ -3474,8 +3692,17 @@
               <a:rPr lang="it-IT" dirty="0">
                 <a:latin typeface="Cambria" panose="02040503050406030204" pitchFamily="18" charset="0"/>
               </a:rPr>
-              <a:t>JIRA – Cos’è?</a:t>
-            </a:r>
+              <a:t>JIRA – </a:t>
+            </a:r>
+            <a:r>
+              <a:rPr lang="it-IT" dirty="0" err="1">
+                <a:latin typeface="Cambria" panose="02040503050406030204" pitchFamily="18" charset="0"/>
+              </a:rPr>
+              <a:t>Changelog</a:t>
+            </a:r>
+            <a:endParaRPr lang="it-IT" dirty="0">
+              <a:latin typeface="Cambria" panose="02040503050406030204" pitchFamily="18" charset="0"/>
+            </a:endParaRPr>
           </a:p>
         </p:txBody>
       </p:sp>
@@ -3496,7 +3723,13 @@
           </p:nvPr>
         </p:nvSpPr>
         <p:spPr>
-          <a:ln w="38100"/>
+          <a:xfrm>
+            <a:off x="838200" y="1825625"/>
+            <a:ext cx="10515600" cy="4351338"/>
+          </a:xfrm>
+          <a:ln w="38100">
+            <a:noFill/>
+          </a:ln>
         </p:spPr>
         <p:style>
           <a:lnRef idx="2">
@@ -3520,76 +3753,29 @@
               <a:buNone/>
             </a:pPr>
             <a:r>
-              <a:rPr lang="it-IT" dirty="0">
+              <a:rPr lang="it-IT" sz="2000" dirty="0">
                 <a:latin typeface="+mj-lt"/>
               </a:rPr>
-              <a:t>Definizione:</a:t>
-            </a:r>
-          </a:p>
-          <a:p>
-            <a:pPr marL="0" indent="0" algn="just">
+              <a:t>V – 1.0.0: Prima versione</a:t>
+            </a:r>
+          </a:p>
+          <a:p>
+            <a:pPr marL="0" indent="0">
               <a:buNone/>
             </a:pPr>
             <a:r>
-              <a:rPr lang="it-IT" sz="2000" i="1" dirty="0">
+              <a:rPr lang="it-IT" sz="2000" dirty="0">
                 <a:latin typeface="+mj-lt"/>
               </a:rPr>
-              <a:t>Un bug tracking system è un applicativo software usato generalmente dai programmatori per tenere traccia delle segnalazioni di bug all'interno dei software, in modo che questi errori siano mantenuti sotto controllo, con una descrizione della riproducibilità e dei dettagli ad essi correlati, dunque più facilmente risolvibili.</a:t>
-            </a:r>
-          </a:p>
-        </p:txBody>
-      </p:sp>
-      <p:pic>
-        <p:nvPicPr>
-          <p:cNvPr id="9" name="Segnaposto contenuto 8">
-            <a:extLst>
-              <a:ext uri="{FF2B5EF4-FFF2-40B4-BE49-F238E27FC236}">
-                <a16:creationId xmlns:a16="http://schemas.microsoft.com/office/drawing/2014/main" id="{95A91625-06DD-4FA8-8DA7-380602BEDF26}"/>
-              </a:ext>
-            </a:extLst>
-          </p:cNvPr>
-          <p:cNvPicPr>
-            <a:picLocks noGrp="1" noChangeAspect="1"/>
-          </p:cNvPicPr>
-          <p:nvPr>
-            <p:ph sz="half" idx="2"/>
-          </p:nvPr>
-        </p:nvPicPr>
-        <p:blipFill>
-          <a:blip r:embed="rId2"/>
-          <a:stretch>
-            <a:fillRect/>
-          </a:stretch>
-        </p:blipFill>
-        <p:spPr>
-          <a:xfrm>
-            <a:off x="6172200" y="2064689"/>
-            <a:ext cx="5181600" cy="3873210"/>
-          </a:xfrm>
-          <a:prstGeom prst="rect">
-            <a:avLst/>
-          </a:prstGeom>
-          <a:ln/>
-        </p:spPr>
-        <p:style>
-          <a:lnRef idx="0">
-            <a:schemeClr val="accent2"/>
-          </a:lnRef>
-          <a:fillRef idx="3">
-            <a:schemeClr val="accent2"/>
-          </a:fillRef>
-          <a:effectRef idx="3">
-            <a:schemeClr val="accent2"/>
-          </a:effectRef>
-          <a:fontRef idx="minor">
-            <a:schemeClr val="lt1"/>
-          </a:fontRef>
-        </p:style>
-      </p:pic>
+              <a:t>V – 1.0.1: Aggiunto Sprint</a:t>
+            </a:r>
+          </a:p>
+        </p:txBody>
+      </p:sp>
     </p:spTree>
     <p:extLst>
       <p:ext uri="{BB962C8B-B14F-4D97-AF65-F5344CB8AC3E}">
-        <p14:creationId xmlns:p14="http://schemas.microsoft.com/office/powerpoint/2010/main" val="3624295968"/>
+        <p14:creationId xmlns:p14="http://schemas.microsoft.com/office/powerpoint/2010/main" val="1182025464"/>
       </p:ext>
     </p:extLst>
   </p:cSld>
@@ -3621,7 +3807,7 @@
           <p:cNvPr id="2" name="Titolo 1">
             <a:extLst>
               <a:ext uri="{FF2B5EF4-FFF2-40B4-BE49-F238E27FC236}">
-                <a16:creationId xmlns:a16="http://schemas.microsoft.com/office/drawing/2014/main" id="{B56D190E-959A-488E-BF51-4179DBBAA9FA}"/>
+                <a16:creationId xmlns:a16="http://schemas.microsoft.com/office/drawing/2014/main" id="{1F512FA3-3936-414B-BC85-4672CF683DBA}"/>
               </a:ext>
             </a:extLst>
           </p:cNvPr>
@@ -3657,9 +3843,9 @@
           <a:p>
             <a:r>
               <a:rPr lang="it-IT" dirty="0">
-                <a:latin typeface="+mj-lt"/>
-              </a:rPr>
-              <a:t>JIRA – FUNZIONALITA’</a:t>
+                <a:latin typeface="Cambria" panose="02040503050406030204" pitchFamily="18" charset="0"/>
+              </a:rPr>
+              <a:t>JIRA – Cos’è?</a:t>
             </a:r>
           </a:p>
         </p:txBody>
@@ -3669,7 +3855,7 @@
           <p:cNvPr id="3" name="Segnaposto contenuto 2">
             <a:extLst>
               <a:ext uri="{FF2B5EF4-FFF2-40B4-BE49-F238E27FC236}">
-                <a16:creationId xmlns:a16="http://schemas.microsoft.com/office/drawing/2014/main" id="{1FDBB681-4DD2-4C8D-A5B4-C99EDE3C19A1}"/>
+                <a16:creationId xmlns:a16="http://schemas.microsoft.com/office/drawing/2014/main" id="{DCD77214-6E6B-4752-B366-03A70FCF15F0}"/>
               </a:ext>
             </a:extLst>
           </p:cNvPr>
@@ -3681,7 +3867,13 @@
           </p:nvPr>
         </p:nvSpPr>
         <p:spPr>
-          <a:ln w="38100"/>
+          <a:xfrm>
+            <a:off x="838200" y="1825625"/>
+            <a:ext cx="5334002" cy="4351338"/>
+          </a:xfrm>
+          <a:ln w="38100">
+            <a:noFill/>
+          </a:ln>
         </p:spPr>
         <p:style>
           <a:lnRef idx="2">
@@ -3698,135 +3890,38 @@
           </a:fontRef>
         </p:style>
         <p:txBody>
-          <a:bodyPr>
-            <a:normAutofit/>
-          </a:bodyPr>
-          <a:lstStyle/>
-          <a:p>
-            <a:pPr marL="0" indent="0">
+          <a:bodyPr anchor="ctr"/>
+          <a:lstStyle/>
+          <a:p>
+            <a:pPr marL="0" indent="0" algn="just">
+              <a:buNone/>
+            </a:pPr>
+            <a:r>
+              <a:rPr lang="it-IT" dirty="0">
+                <a:latin typeface="+mj-lt"/>
+              </a:rPr>
+              <a:t>Definizione:</a:t>
+            </a:r>
+          </a:p>
+          <a:p>
+            <a:pPr marL="0" indent="0" algn="just">
               <a:buNone/>
             </a:pPr>
             <a:r>
               <a:rPr lang="it-IT" sz="2000" dirty="0">
                 <a:latin typeface="+mj-lt"/>
               </a:rPr>
-              <a:t>Sul menù a sinistra troviamo tra le schede più rilevanti:</a:t>
-            </a:r>
-          </a:p>
-          <a:p>
-            <a:pPr algn="just"/>
-            <a:r>
-              <a:rPr lang="it-IT" sz="2000" b="1" dirty="0">
-                <a:latin typeface="+mj-lt"/>
-              </a:rPr>
-              <a:t>Roadmap: </a:t>
-            </a:r>
-            <a:r>
-              <a:rPr lang="it-IT" sz="2000" i="1" dirty="0">
-                <a:latin typeface="+mj-lt"/>
-              </a:rPr>
-              <a:t>è comunemente intesa come una sequenza temporale di attività previste attraverso la quale ci si aspetta di raggiungere un obiettivo. Generalmente definisce il piano di sviluppo di un nuovo prodotto o di una nuova tecnologia. </a:t>
-            </a:r>
-          </a:p>
-          <a:p>
-            <a:pPr marL="0" indent="0" algn="just">
-              <a:buNone/>
-            </a:pPr>
-            <a:r>
-              <a:rPr lang="it-IT" sz="2000" dirty="0">
-                <a:highlight>
-                  <a:srgbClr val="FFFF00"/>
-                </a:highlight>
-                <a:latin typeface="+mj-lt"/>
-              </a:rPr>
-              <a:t>Su JIRA un’attività è </a:t>
-            </a:r>
-            <a:r>
-              <a:rPr lang="it-IT" sz="2000" dirty="0" err="1">
-                <a:highlight>
-                  <a:srgbClr val="FFFF00"/>
-                </a:highlight>
-                <a:latin typeface="+mj-lt"/>
-              </a:rPr>
-              <a:t>definta</a:t>
-            </a:r>
-            <a:r>
-              <a:rPr lang="it-IT" sz="2000" dirty="0">
-                <a:highlight>
-                  <a:srgbClr val="FFFF00"/>
-                </a:highlight>
-                <a:latin typeface="+mj-lt"/>
-              </a:rPr>
-              <a:t> «</a:t>
-            </a:r>
-            <a:r>
-              <a:rPr lang="it-IT" sz="2000" dirty="0" err="1">
-                <a:highlight>
-                  <a:srgbClr val="FFFF00"/>
-                </a:highlight>
-                <a:latin typeface="+mj-lt"/>
-              </a:rPr>
-              <a:t>issue</a:t>
-            </a:r>
-            <a:r>
-              <a:rPr lang="it-IT" sz="2000" dirty="0">
-                <a:highlight>
-                  <a:srgbClr val="FFFF00"/>
-                </a:highlight>
-                <a:latin typeface="+mj-lt"/>
-              </a:rPr>
-              <a:t>», l’insieme delle attività,  «</a:t>
-            </a:r>
-            <a:r>
-              <a:rPr lang="it-IT" sz="2000" dirty="0" err="1">
-                <a:highlight>
-                  <a:srgbClr val="FFFF00"/>
-                </a:highlight>
-                <a:latin typeface="+mj-lt"/>
-              </a:rPr>
-              <a:t>Epic</a:t>
-            </a:r>
-            <a:r>
-              <a:rPr lang="it-IT" sz="2000" dirty="0">
-                <a:highlight>
-                  <a:srgbClr val="FFFF00"/>
-                </a:highlight>
-                <a:latin typeface="+mj-lt"/>
-              </a:rPr>
-              <a:t>»</a:t>
-            </a:r>
-          </a:p>
-          <a:p>
-            <a:r>
-              <a:rPr lang="it-IT" sz="2000" b="1" dirty="0">
-                <a:latin typeface="+mj-lt"/>
-              </a:rPr>
-              <a:t>Board</a:t>
-            </a:r>
-            <a:r>
-              <a:rPr lang="it-IT" dirty="0">
-                <a:latin typeface="+mj-lt"/>
-              </a:rPr>
-              <a:t>: </a:t>
-            </a:r>
-            <a:r>
-              <a:rPr lang="it-IT" sz="2000" i="1" dirty="0">
-                <a:latin typeface="+mj-lt"/>
-              </a:rPr>
-              <a:t>Contiene la descrizione delle singole attività da completare al fine di rispettare la roadmap.</a:t>
-            </a:r>
-            <a:endParaRPr lang="it-IT" dirty="0">
-              <a:latin typeface="+mj-lt"/>
-            </a:endParaRPr>
+              <a:t>Un bug tracking system è un applicativo software usato generalmente dai programmatori per tenere traccia delle segnalazioni di bug all'interno dei software, in modo che questi errori siano mantenuti sotto controllo, con una descrizione della riproducibilità e dei dettagli ad essi correlati, dunque più facilmente risolvibili.</a:t>
+            </a:r>
           </a:p>
         </p:txBody>
       </p:sp>
       <p:pic>
         <p:nvPicPr>
-          <p:cNvPr id="5" name="Segnaposto contenuto 4">
-            <a:extLst>
-              <a:ext uri="{FF2B5EF4-FFF2-40B4-BE49-F238E27FC236}">
-                <a16:creationId xmlns:a16="http://schemas.microsoft.com/office/drawing/2014/main" id="{A2585F1E-37B5-4647-A208-41B48B7764DC}"/>
+          <p:cNvPr id="7" name="Segnaposto contenuto 6">
+            <a:extLst>
+              <a:ext uri="{FF2B5EF4-FFF2-40B4-BE49-F238E27FC236}">
+                <a16:creationId xmlns:a16="http://schemas.microsoft.com/office/drawing/2014/main" id="{8E5E0A2C-FCED-49FA-A3D7-462F4DB20EC3}"/>
               </a:ext>
             </a:extLst>
           </p:cNvPr>
@@ -3845,33 +3940,18 @@
         </p:blipFill>
         <p:spPr>
           <a:xfrm>
-            <a:off x="7362825" y="1848644"/>
-            <a:ext cx="2800350" cy="4305300"/>
+            <a:off x="6172202" y="2323700"/>
+            <a:ext cx="5181600" cy="3355187"/>
           </a:xfrm>
           <a:prstGeom prst="rect">
             <a:avLst/>
           </a:prstGeom>
-          <a:ln/>
         </p:spPr>
-        <p:style>
-          <a:lnRef idx="0">
-            <a:schemeClr val="accent2"/>
-          </a:lnRef>
-          <a:fillRef idx="3">
-            <a:schemeClr val="accent2"/>
-          </a:fillRef>
-          <a:effectRef idx="3">
-            <a:schemeClr val="accent2"/>
-          </a:effectRef>
-          <a:fontRef idx="minor">
-            <a:schemeClr val="lt1"/>
-          </a:fontRef>
-        </p:style>
       </p:pic>
     </p:spTree>
     <p:extLst>
       <p:ext uri="{BB962C8B-B14F-4D97-AF65-F5344CB8AC3E}">
-        <p14:creationId xmlns:p14="http://schemas.microsoft.com/office/powerpoint/2010/main" val="1533682968"/>
+        <p14:creationId xmlns:p14="http://schemas.microsoft.com/office/powerpoint/2010/main" val="3624295968"/>
       </p:ext>
     </p:extLst>
   </p:cSld>
@@ -3903,7 +3983,7 @@
           <p:cNvPr id="2" name="Titolo 1">
             <a:extLst>
               <a:ext uri="{FF2B5EF4-FFF2-40B4-BE49-F238E27FC236}">
-                <a16:creationId xmlns:a16="http://schemas.microsoft.com/office/drawing/2014/main" id="{0DACD946-3B9F-406E-BD6F-14430EA44AAF}"/>
+                <a16:creationId xmlns:a16="http://schemas.microsoft.com/office/drawing/2014/main" id="{B56D190E-959A-488E-BF51-4179DBBAA9FA}"/>
               </a:ext>
             </a:extLst>
           </p:cNvPr>
@@ -3938,18 +4018,20 @@
           <a:lstStyle/>
           <a:p>
             <a:r>
-              <a:rPr lang="it-IT" dirty="0"/>
-              <a:t>JIRA - ROADMAP</a:t>
-            </a:r>
-          </a:p>
-        </p:txBody>
-      </p:sp>
-      <p:sp>
-        <p:nvSpPr>
-          <p:cNvPr id="14" name="Segnaposto contenuto 13">
-            <a:extLst>
-              <a:ext uri="{FF2B5EF4-FFF2-40B4-BE49-F238E27FC236}">
-                <a16:creationId xmlns:a16="http://schemas.microsoft.com/office/drawing/2014/main" id="{2D664A96-2CA7-4206-A510-9ECECCE8CBE2}"/>
+              <a:rPr lang="it-IT" dirty="0">
+                <a:latin typeface="+mj-lt"/>
+              </a:rPr>
+              <a:t>JIRA – Funzionalità</a:t>
+            </a:r>
+          </a:p>
+        </p:txBody>
+      </p:sp>
+      <p:sp>
+        <p:nvSpPr>
+          <p:cNvPr id="3" name="Segnaposto contenuto 2">
+            <a:extLst>
+              <a:ext uri="{FF2B5EF4-FFF2-40B4-BE49-F238E27FC236}">
+                <a16:creationId xmlns:a16="http://schemas.microsoft.com/office/drawing/2014/main" id="{1FDBB681-4DD2-4C8D-A5B4-C99EDE3C19A1}"/>
               </a:ext>
             </a:extLst>
           </p:cNvPr>
@@ -3961,7 +4043,13 @@
           </p:nvPr>
         </p:nvSpPr>
         <p:spPr>
-          <a:ln w="38100"/>
+          <a:xfrm>
+            <a:off x="838200" y="1825625"/>
+            <a:ext cx="7879520" cy="4351338"/>
+          </a:xfrm>
+          <a:ln w="38100">
+            <a:noFill/>
+          </a:ln>
         </p:spPr>
         <p:style>
           <a:lnRef idx="2">
@@ -3978,173 +4066,152 @@
           </a:fontRef>
         </p:style>
         <p:txBody>
-          <a:bodyPr/>
-          <a:lstStyle/>
-          <a:p>
-            <a:pPr marL="0" lvl="0" indent="0" algn="just">
+          <a:bodyPr anchor="ctr">
+            <a:normAutofit/>
+          </a:bodyPr>
+          <a:lstStyle/>
+          <a:p>
+            <a:pPr marL="0" indent="0" algn="just">
               <a:buNone/>
             </a:pPr>
             <a:r>
               <a:rPr lang="it-IT" sz="2000" dirty="0">
-                <a:solidFill>
-                  <a:prstClr val="black"/>
-                </a:solidFill>
-              </a:rPr>
-              <a:t>In JIRA l’</a:t>
+                <a:latin typeface="+mj-lt"/>
+              </a:rPr>
+              <a:t>Sul menù a sinistra troviamo tra le schede più rilevanti:</a:t>
+            </a:r>
+          </a:p>
+          <a:p>
+            <a:pPr algn="just"/>
+            <a:r>
+              <a:rPr lang="it-IT" sz="2000" b="1" dirty="0">
+                <a:latin typeface="+mj-lt"/>
+              </a:rPr>
+              <a:t>Roadmap: </a:t>
+            </a:r>
+            <a:r>
+              <a:rPr lang="it-IT" sz="2000" dirty="0">
+                <a:latin typeface="+mj-lt"/>
+              </a:rPr>
+              <a:t>è comunemente intesa come una sequenza temporale di attività, in JIRA </a:t>
+            </a:r>
+            <a:r>
+              <a:rPr lang="it-IT" sz="2000" dirty="0">
+                <a:highlight>
+                  <a:srgbClr val="FFFF00"/>
+                </a:highlight>
+                <a:latin typeface="+mj-lt"/>
+              </a:rPr>
+              <a:t>«</a:t>
             </a:r>
             <a:r>
               <a:rPr lang="it-IT" sz="2000" dirty="0" err="1">
-                <a:solidFill>
-                  <a:prstClr val="black"/>
-                </a:solidFill>
+                <a:highlight>
+                  <a:srgbClr val="FFFF00"/>
+                </a:highlight>
+                <a:latin typeface="+mj-lt"/>
+              </a:rPr>
+              <a:t>issue</a:t>
+            </a:r>
+            <a:r>
+              <a:rPr lang="it-IT" sz="2000" dirty="0">
+                <a:highlight>
+                  <a:srgbClr val="FFFF00"/>
+                </a:highlight>
+                <a:latin typeface="+mj-lt"/>
+              </a:rPr>
+              <a:t>»</a:t>
+            </a:r>
+            <a:r>
+              <a:rPr lang="it-IT" sz="2000" dirty="0">
+                <a:latin typeface="+mj-lt"/>
+              </a:rPr>
+              <a:t> previste attraverso la quale ci si aspetta di raggiungere un obiettivo, in JIRA </a:t>
+            </a:r>
+            <a:r>
+              <a:rPr lang="it-IT" sz="2000" dirty="0">
+                <a:highlight>
+                  <a:srgbClr val="FFFF00"/>
+                </a:highlight>
+                <a:latin typeface="+mj-lt"/>
+              </a:rPr>
+              <a:t>«</a:t>
+            </a:r>
+            <a:r>
+              <a:rPr lang="it-IT" sz="2000" dirty="0" err="1">
+                <a:highlight>
+                  <a:srgbClr val="FFFF00"/>
+                </a:highlight>
+                <a:latin typeface="+mj-lt"/>
               </a:rPr>
               <a:t>Epic</a:t>
             </a:r>
             <a:r>
               <a:rPr lang="it-IT" sz="2000" dirty="0">
-                <a:solidFill>
-                  <a:prstClr val="black"/>
-                </a:solidFill>
-              </a:rPr>
-              <a:t> è quindi quell’insieme di </a:t>
-            </a:r>
-            <a:r>
-              <a:rPr lang="it-IT" sz="2000" dirty="0" err="1">
-                <a:solidFill>
-                  <a:prstClr val="black"/>
-                </a:solidFill>
-              </a:rPr>
-              <a:t>issue</a:t>
+                <a:highlight>
+                  <a:srgbClr val="FFFF00"/>
+                </a:highlight>
+                <a:latin typeface="+mj-lt"/>
+              </a:rPr>
+              <a:t>»</a:t>
             </a:r>
             <a:r>
               <a:rPr lang="it-IT" sz="2000" dirty="0">
-                <a:solidFill>
-                  <a:prstClr val="black"/>
-                </a:solidFill>
-              </a:rPr>
-              <a:t> da completare entro la data stabilita.</a:t>
-            </a:r>
-          </a:p>
-          <a:p>
-            <a:pPr marL="457200" lvl="0" indent="-457200" algn="just">
-              <a:buFont typeface="Arial" panose="020B0604020202020204" pitchFamily="34" charset="0"/>
-              <a:buAutoNum type="arabicPeriod"/>
-            </a:pPr>
+                <a:latin typeface="+mj-lt"/>
+              </a:rPr>
+              <a:t>. Generalmente definisce il piano di sviluppo di un nuovo prodotto o di una nuova tecnologia. </a:t>
+            </a:r>
+          </a:p>
+          <a:p>
+            <a:pPr algn="just"/>
             <a:r>
               <a:rPr lang="it-IT" sz="2000" b="1" dirty="0">
-                <a:solidFill>
-                  <a:prstClr val="black"/>
-                </a:solidFill>
-              </a:rPr>
-              <a:t>Ogni EPIC ha un inizio e una fine: </a:t>
-            </a:r>
-            <a:r>
-              <a:rPr lang="it-IT" sz="2000" i="1" dirty="0">
-                <a:solidFill>
-                  <a:prstClr val="black"/>
-                </a:solidFill>
-              </a:rPr>
-              <a:t>La banda VIOLA corrisponde visivamente all’inizio e alla fine dell’</a:t>
-            </a:r>
-            <a:r>
-              <a:rPr lang="it-IT" sz="2000" i="1" dirty="0" err="1">
-                <a:solidFill>
-                  <a:prstClr val="black"/>
-                </a:solidFill>
-              </a:rPr>
-              <a:t>Epic</a:t>
-            </a:r>
-            <a:r>
-              <a:rPr lang="it-IT" sz="2000" i="1" dirty="0">
-                <a:solidFill>
-                  <a:prstClr val="black"/>
-                </a:solidFill>
-              </a:rPr>
-              <a:t>.</a:t>
-            </a:r>
-          </a:p>
-          <a:p>
-            <a:pPr marL="457200" lvl="0" indent="-457200" algn="just">
-              <a:buFont typeface="+mj-lt"/>
-              <a:buAutoNum type="arabicPeriod"/>
-            </a:pPr>
+                <a:latin typeface="+mj-lt"/>
+              </a:rPr>
+              <a:t>Backlog: </a:t>
+            </a:r>
+            <a:r>
+              <a:rPr lang="it-IT" sz="2000" dirty="0">
+                <a:latin typeface="+mj-lt"/>
+              </a:rPr>
+              <a:t>E’ possibile definire degli obiettivi intermedi, in JIRA «Sprint». In questo modo è possibile definire obiettivi settimanali o mensili a seconda delle esigenze.</a:t>
+            </a:r>
+            <a:endParaRPr lang="it-IT" sz="2000" b="1" dirty="0">
+              <a:latin typeface="+mj-lt"/>
+            </a:endParaRPr>
+          </a:p>
+          <a:p>
+            <a:pPr algn="just"/>
             <a:r>
               <a:rPr lang="it-IT" sz="2000" b="1" dirty="0">
-                <a:solidFill>
-                  <a:prstClr val="black"/>
-                </a:solidFill>
-              </a:rPr>
-              <a:t> Ogni </a:t>
-            </a:r>
-            <a:r>
-              <a:rPr lang="it-IT" sz="2000" b="1" dirty="0" err="1">
-                <a:solidFill>
-                  <a:prstClr val="black"/>
-                </a:solidFill>
-              </a:rPr>
-              <a:t>Epic</a:t>
-            </a:r>
-            <a:r>
-              <a:rPr lang="it-IT" sz="2000" b="1" dirty="0">
-                <a:solidFill>
-                  <a:prstClr val="black"/>
-                </a:solidFill>
-              </a:rPr>
-              <a:t> contiene un numero di Issues descritte in «Board»:</a:t>
-            </a:r>
-            <a:r>
-              <a:rPr lang="it-IT" sz="2000" i="1" dirty="0">
-                <a:solidFill>
-                  <a:prstClr val="black"/>
-                </a:solidFill>
-              </a:rPr>
-              <a:t> Per ogni </a:t>
-            </a:r>
-            <a:r>
-              <a:rPr lang="it-IT" sz="2000" i="1" dirty="0" err="1">
-                <a:solidFill>
-                  <a:prstClr val="black"/>
-                </a:solidFill>
-              </a:rPr>
-              <a:t>Issue</a:t>
-            </a:r>
-            <a:r>
-              <a:rPr lang="it-IT" sz="2000" i="1" dirty="0">
-                <a:solidFill>
-                  <a:prstClr val="black"/>
-                </a:solidFill>
-              </a:rPr>
-              <a:t> è riportato lo stato: «TO DO», «IN PROGRESS», «DONE»</a:t>
-            </a:r>
-          </a:p>
-          <a:p>
-            <a:pPr marL="457200" lvl="0" indent="-457200" algn="just">
-              <a:buFont typeface="+mj-lt"/>
-              <a:buAutoNum type="arabicPeriod"/>
-            </a:pPr>
-            <a:r>
-              <a:rPr lang="it-IT" sz="2000" b="1" dirty="0">
-                <a:solidFill>
-                  <a:prstClr val="black"/>
-                </a:solidFill>
-              </a:rPr>
-              <a:t>E’ possibile filtrare la roadmap in base allo stato degli Issues dalla barra «Status»</a:t>
-            </a:r>
-          </a:p>
-          <a:p>
-            <a:pPr marL="0" indent="0">
-              <a:buNone/>
-            </a:pPr>
-            <a:endParaRPr lang="it-IT" dirty="0"/>
+                <a:latin typeface="+mj-lt"/>
+              </a:rPr>
+              <a:t>Board</a:t>
+            </a:r>
+            <a:r>
+              <a:rPr lang="it-IT" dirty="0">
+                <a:latin typeface="+mj-lt"/>
+              </a:rPr>
+              <a:t>: </a:t>
+            </a:r>
+            <a:r>
+              <a:rPr lang="it-IT" sz="2000" dirty="0">
+                <a:latin typeface="+mj-lt"/>
+              </a:rPr>
+              <a:t>Contiene la descrizione delle singole attività da completare al fine di rispettare la roadmap.</a:t>
+            </a:r>
+            <a:endParaRPr lang="it-IT" dirty="0">
+              <a:latin typeface="+mj-lt"/>
+            </a:endParaRPr>
           </a:p>
         </p:txBody>
       </p:sp>
       <p:pic>
         <p:nvPicPr>
-          <p:cNvPr id="20" name="Segnaposto contenuto 19">
-            <a:extLst>
-              <a:ext uri="{FF2B5EF4-FFF2-40B4-BE49-F238E27FC236}">
-                <a16:creationId xmlns:a16="http://schemas.microsoft.com/office/drawing/2014/main" id="{4255348C-296E-4DC6-8006-51F8B670CD1E}"/>
+          <p:cNvPr id="8" name="Segnaposto contenuto 7">
+            <a:extLst>
+              <a:ext uri="{FF2B5EF4-FFF2-40B4-BE49-F238E27FC236}">
+                <a16:creationId xmlns:a16="http://schemas.microsoft.com/office/drawing/2014/main" id="{08019ED7-F45C-4F1E-90DC-70FE89785EA0}"/>
               </a:ext>
             </a:extLst>
           </p:cNvPr>
@@ -4163,32 +4230,18 @@
         </p:blipFill>
         <p:spPr>
           <a:xfrm>
-            <a:off x="6172202" y="2043285"/>
-            <a:ext cx="5181600" cy="3916017"/>
+            <a:off x="8717720" y="1825625"/>
+            <a:ext cx="2636080" cy="4351338"/>
           </a:xfrm>
           <a:prstGeom prst="rect">
             <a:avLst/>
           </a:prstGeom>
         </p:spPr>
-        <p:style>
-          <a:lnRef idx="0">
-            <a:schemeClr val="accent2"/>
-          </a:lnRef>
-          <a:fillRef idx="3">
-            <a:schemeClr val="accent2"/>
-          </a:fillRef>
-          <a:effectRef idx="3">
-            <a:schemeClr val="accent2"/>
-          </a:effectRef>
-          <a:fontRef idx="minor">
-            <a:schemeClr val="lt1"/>
-          </a:fontRef>
-        </p:style>
       </p:pic>
     </p:spTree>
     <p:extLst>
       <p:ext uri="{BB962C8B-B14F-4D97-AF65-F5344CB8AC3E}">
-        <p14:creationId xmlns:p14="http://schemas.microsoft.com/office/powerpoint/2010/main" val="3997309543"/>
+        <p14:creationId xmlns:p14="http://schemas.microsoft.com/office/powerpoint/2010/main" val="1533682968"/>
       </p:ext>
     </p:extLst>
   </p:cSld>
@@ -4220,7 +4273,7 @@
           <p:cNvPr id="2" name="Titolo 1">
             <a:extLst>
               <a:ext uri="{FF2B5EF4-FFF2-40B4-BE49-F238E27FC236}">
-                <a16:creationId xmlns:a16="http://schemas.microsoft.com/office/drawing/2014/main" id="{90E46075-1073-42C0-8132-722EB4D357A5}"/>
+                <a16:creationId xmlns:a16="http://schemas.microsoft.com/office/drawing/2014/main" id="{0DACD946-3B9F-406E-BD6F-14430EA44AAF}"/>
               </a:ext>
             </a:extLst>
           </p:cNvPr>
@@ -4256,17 +4309,17 @@
           <a:p>
             <a:r>
               <a:rPr lang="it-IT" dirty="0"/>
-              <a:t>JIRA – BOARD [1]</a:t>
-            </a:r>
-          </a:p>
-        </p:txBody>
-      </p:sp>
-      <p:sp>
-        <p:nvSpPr>
-          <p:cNvPr id="3" name="Segnaposto contenuto 2">
-            <a:extLst>
-              <a:ext uri="{FF2B5EF4-FFF2-40B4-BE49-F238E27FC236}">
-                <a16:creationId xmlns:a16="http://schemas.microsoft.com/office/drawing/2014/main" id="{B72A0A9F-C322-4753-8862-81314CC29700}"/>
+              <a:t>JIRA - Roadmap</a:t>
+            </a:r>
+          </a:p>
+        </p:txBody>
+      </p:sp>
+      <p:sp>
+        <p:nvSpPr>
+          <p:cNvPr id="14" name="Segnaposto contenuto 13">
+            <a:extLst>
+              <a:ext uri="{FF2B5EF4-FFF2-40B4-BE49-F238E27FC236}">
+                <a16:creationId xmlns:a16="http://schemas.microsoft.com/office/drawing/2014/main" id="{2D664A96-2CA7-4206-A510-9ECECCE8CBE2}"/>
               </a:ext>
             </a:extLst>
           </p:cNvPr>
@@ -4278,7 +4331,13 @@
           </p:nvPr>
         </p:nvSpPr>
         <p:spPr>
-          <a:ln w="38100"/>
+          <a:xfrm>
+            <a:off x="838200" y="1825625"/>
+            <a:ext cx="5334000" cy="4351338"/>
+          </a:xfrm>
+          <a:ln w="38100">
+            <a:noFill/>
+          </a:ln>
         </p:spPr>
         <p:style>
           <a:lnRef idx="2">
@@ -4295,83 +4354,398 @@
           </a:fontRef>
         </p:style>
         <p:txBody>
-          <a:bodyPr>
-            <a:normAutofit/>
+          <a:bodyPr anchor="ctr">
+            <a:normAutofit fontScale="92500" lnSpcReduction="20000"/>
           </a:bodyPr>
           <a:lstStyle/>
           <a:p>
-            <a:pPr marL="0" indent="0" algn="just">
+            <a:pPr marL="0" lvl="0" indent="0" algn="just">
               <a:buNone/>
             </a:pPr>
             <a:r>
-              <a:rPr lang="it-IT" sz="2000" dirty="0"/>
-              <a:t>La scheda Board contiene gli </a:t>
-            </a:r>
-            <a:r>
-              <a:rPr lang="it-IT" sz="2000" dirty="0" err="1"/>
-              <a:t>issues</a:t>
-            </a:r>
-            <a:r>
-              <a:rPr lang="it-IT" sz="2000" dirty="0"/>
-              <a:t> ordinati secondo il loro stato e assegnate eventualmente a un </a:t>
-            </a:r>
-            <a:r>
-              <a:rPr lang="it-IT" sz="2000" dirty="0" err="1"/>
+              <a:rPr lang="it-IT" sz="2000" dirty="0">
+                <a:solidFill>
+                  <a:prstClr val="black"/>
+                </a:solidFill>
+              </a:rPr>
+              <a:t>In JIRA l’</a:t>
+            </a:r>
+            <a:r>
+              <a:rPr lang="it-IT" sz="2000" dirty="0" err="1">
+                <a:solidFill>
+                  <a:prstClr val="black"/>
+                </a:solidFill>
+              </a:rPr>
               <a:t>Epic</a:t>
             </a:r>
-            <a:endParaRPr lang="it-IT" sz="2000" dirty="0"/>
-          </a:p>
-          <a:p>
-            <a:pPr marL="457200" indent="-457200">
+            <a:r>
+              <a:rPr lang="it-IT" sz="2000" dirty="0">
+                <a:solidFill>
+                  <a:prstClr val="black"/>
+                </a:solidFill>
+              </a:rPr>
+              <a:t> è quindi quell’insieme di </a:t>
+            </a:r>
+            <a:r>
+              <a:rPr lang="it-IT" sz="2000" dirty="0" err="1">
+                <a:solidFill>
+                  <a:prstClr val="black"/>
+                </a:solidFill>
+              </a:rPr>
+              <a:t>issue</a:t>
+            </a:r>
+            <a:r>
+              <a:rPr lang="it-IT" sz="2000" dirty="0">
+                <a:solidFill>
+                  <a:prstClr val="black"/>
+                </a:solidFill>
+              </a:rPr>
+              <a:t> da completare entro la data stabilita.</a:t>
+            </a:r>
+          </a:p>
+          <a:p>
+            <a:pPr marL="457200" lvl="0" indent="-457200" algn="just">
+              <a:buFont typeface="Arial" panose="020B0604020202020204" pitchFamily="34" charset="0"/>
               <a:buAutoNum type="arabicPeriod"/>
             </a:pPr>
             <a:r>
-              <a:rPr lang="it-IT" sz="2000" b="1" dirty="0"/>
-              <a:t>E’ possibile spostare gli </a:t>
-            </a:r>
-            <a:r>
-              <a:rPr lang="it-IT" sz="2000" b="1" dirty="0" err="1"/>
-              <a:t>issues</a:t>
-            </a:r>
-            <a:r>
-              <a:rPr lang="it-IT" sz="2000" b="1" dirty="0"/>
-              <a:t> su uno stato diverso semplicemente trascinandola.</a:t>
-            </a:r>
-          </a:p>
-          <a:p>
-            <a:pPr marL="457200" indent="-457200">
+              <a:rPr lang="it-IT" sz="2000" dirty="0">
+                <a:solidFill>
+                  <a:prstClr val="black"/>
+                </a:solidFill>
+                <a:highlight>
+                  <a:srgbClr val="FFFF00"/>
+                </a:highlight>
+              </a:rPr>
+              <a:t>Ogni EPIC ha un inizio e una fine</a:t>
+            </a:r>
+            <a:r>
+              <a:rPr lang="it-IT" sz="2000" dirty="0">
+                <a:solidFill>
+                  <a:prstClr val="black"/>
+                </a:solidFill>
+              </a:rPr>
+              <a:t>: La banda </a:t>
+            </a:r>
+            <a:r>
+              <a:rPr lang="it-IT" sz="2000" dirty="0">
+                <a:solidFill>
+                  <a:srgbClr val="7030A0"/>
+                </a:solidFill>
+              </a:rPr>
+              <a:t>VIOLA</a:t>
+            </a:r>
+            <a:r>
+              <a:rPr lang="it-IT" sz="2000" dirty="0">
+                <a:solidFill>
+                  <a:prstClr val="black"/>
+                </a:solidFill>
+              </a:rPr>
+              <a:t> corrisponde visivamente all’inizio e alla fine di un </a:t>
+            </a:r>
+            <a:r>
+              <a:rPr lang="it-IT" sz="2000" dirty="0" err="1">
+                <a:solidFill>
+                  <a:prstClr val="black"/>
+                </a:solidFill>
+              </a:rPr>
+              <a:t>Epic</a:t>
+            </a:r>
+            <a:r>
+              <a:rPr lang="it-IT" sz="2000" dirty="0">
+                <a:solidFill>
+                  <a:prstClr val="black"/>
+                </a:solidFill>
+              </a:rPr>
+              <a:t>. La linea </a:t>
+            </a:r>
+            <a:r>
+              <a:rPr lang="it-IT" sz="2000" dirty="0">
+                <a:solidFill>
+                  <a:srgbClr val="FFC000"/>
+                </a:solidFill>
+              </a:rPr>
+              <a:t>ARANCIO</a:t>
+            </a:r>
+            <a:r>
+              <a:rPr lang="it-IT" sz="2000" dirty="0">
+                <a:solidFill>
+                  <a:prstClr val="black"/>
+                </a:solidFill>
+              </a:rPr>
+              <a:t> corrisponde alla data odierna.</a:t>
+            </a:r>
+          </a:p>
+          <a:p>
+            <a:pPr marL="457200" lvl="0" indent="-457200" algn="just">
+              <a:buFont typeface="+mj-lt"/>
               <a:buAutoNum type="arabicPeriod"/>
             </a:pPr>
             <a:r>
-              <a:rPr lang="it-IT" sz="2000" b="1" dirty="0"/>
-              <a:t>E’ possibile creare una colonna custom e quindi uno stato custom tramite il simbolo «+»</a:t>
-            </a:r>
-          </a:p>
-          <a:p>
-            <a:pPr marL="457200" indent="-457200">
+              <a:rPr lang="it-IT" sz="2000" dirty="0">
+                <a:solidFill>
+                  <a:prstClr val="black"/>
+                </a:solidFill>
+                <a:highlight>
+                  <a:srgbClr val="FFFF00"/>
+                </a:highlight>
+              </a:rPr>
+              <a:t>Ogni </a:t>
+            </a:r>
+            <a:r>
+              <a:rPr lang="it-IT" sz="2000" dirty="0" err="1">
+                <a:solidFill>
+                  <a:prstClr val="black"/>
+                </a:solidFill>
+                <a:highlight>
+                  <a:srgbClr val="FFFF00"/>
+                </a:highlight>
+              </a:rPr>
+              <a:t>Epic</a:t>
+            </a:r>
+            <a:r>
+              <a:rPr lang="it-IT" sz="2000" dirty="0">
+                <a:solidFill>
+                  <a:prstClr val="black"/>
+                </a:solidFill>
+                <a:highlight>
+                  <a:srgbClr val="FFFF00"/>
+                </a:highlight>
+              </a:rPr>
+              <a:t> contiene un numero di Issues descritte in «Board»</a:t>
+            </a:r>
+            <a:r>
+              <a:rPr lang="it-IT" sz="2000" dirty="0">
+                <a:solidFill>
+                  <a:prstClr val="black"/>
+                </a:solidFill>
+              </a:rPr>
+              <a:t>:</a:t>
+            </a:r>
+            <a:r>
+              <a:rPr lang="it-IT" sz="2000" i="1" dirty="0">
+                <a:solidFill>
+                  <a:prstClr val="black"/>
+                </a:solidFill>
+              </a:rPr>
+              <a:t> </a:t>
+            </a:r>
+            <a:r>
+              <a:rPr lang="it-IT" sz="2000" dirty="0">
+                <a:solidFill>
+                  <a:prstClr val="black"/>
+                </a:solidFill>
+              </a:rPr>
+              <a:t>Per ogni </a:t>
+            </a:r>
+            <a:r>
+              <a:rPr lang="it-IT" sz="2000" dirty="0" err="1">
+                <a:solidFill>
+                  <a:prstClr val="black"/>
+                </a:solidFill>
+              </a:rPr>
+              <a:t>Issue</a:t>
+            </a:r>
+            <a:r>
+              <a:rPr lang="it-IT" sz="2000" dirty="0">
+                <a:solidFill>
+                  <a:prstClr val="black"/>
+                </a:solidFill>
+              </a:rPr>
+              <a:t> è riportato lo stato: «TO DO», «IN PROGRESS», «DONE»</a:t>
+            </a:r>
+          </a:p>
+          <a:p>
+            <a:pPr marL="457200" indent="-457200" algn="just">
+              <a:buFont typeface="+mj-lt"/>
               <a:buAutoNum type="arabicPeriod"/>
             </a:pPr>
             <a:r>
-              <a:rPr lang="it-IT" sz="2000" b="1" dirty="0"/>
-              <a:t>E’ possibile cercare il nome di un </a:t>
-            </a:r>
-            <a:r>
-              <a:rPr lang="it-IT" sz="2000" b="1" dirty="0" err="1"/>
+              <a:rPr lang="it-IT" sz="2000" dirty="0">
+                <a:solidFill>
+                  <a:prstClr val="black"/>
+                </a:solidFill>
+              </a:rPr>
+              <a:t>E’ possibile aggiungere un </a:t>
+            </a:r>
+            <a:r>
+              <a:rPr lang="it-IT" sz="2000" dirty="0" err="1">
+                <a:solidFill>
+                  <a:prstClr val="black"/>
+                </a:solidFill>
+              </a:rPr>
               <a:t>issue</a:t>
             </a:r>
             <a:r>
-              <a:rPr lang="it-IT" sz="2000" b="1" dirty="0"/>
-              <a:t> tramite la barra di ricerca</a:t>
+              <a:rPr lang="it-IT" sz="2000" dirty="0">
+                <a:solidFill>
+                  <a:prstClr val="black"/>
+                </a:solidFill>
+              </a:rPr>
+              <a:t> </a:t>
+            </a:r>
+            <a:r>
+              <a:rPr lang="it-IT" sz="2000" dirty="0" err="1">
+                <a:solidFill>
+                  <a:prstClr val="black"/>
+                </a:solidFill>
+              </a:rPr>
+              <a:t>all</a:t>
+            </a:r>
+            <a:r>
+              <a:rPr lang="it-IT" sz="2000" dirty="0">
+                <a:solidFill>
+                  <a:prstClr val="black"/>
+                </a:solidFill>
+              </a:rPr>
+              <a:t> ‘</a:t>
+            </a:r>
+            <a:r>
+              <a:rPr lang="it-IT" sz="2000" dirty="0" err="1">
+                <a:solidFill>
+                  <a:prstClr val="black"/>
+                </a:solidFill>
+              </a:rPr>
+              <a:t>Epic</a:t>
+            </a:r>
+            <a:r>
+              <a:rPr lang="it-IT" sz="2000" dirty="0">
+                <a:solidFill>
+                  <a:prstClr val="black"/>
+                </a:solidFill>
+              </a:rPr>
+              <a:t> tramite la </a:t>
+            </a:r>
+            <a:r>
+              <a:rPr lang="it-IT" sz="2000" dirty="0" err="1">
+                <a:solidFill>
+                  <a:prstClr val="black"/>
+                </a:solidFill>
+              </a:rPr>
+              <a:t>tab</a:t>
+            </a:r>
+            <a:r>
+              <a:rPr lang="it-IT" sz="2000" dirty="0">
+                <a:solidFill>
+                  <a:prstClr val="black"/>
+                </a:solidFill>
+              </a:rPr>
+              <a:t> «+», </a:t>
+            </a:r>
+            <a:r>
+              <a:rPr lang="it-IT" sz="2000" i="1" dirty="0" err="1">
+                <a:solidFill>
+                  <a:prstClr val="black"/>
+                </a:solidFill>
+              </a:rPr>
+              <a:t>Add</a:t>
+            </a:r>
+            <a:r>
+              <a:rPr lang="it-IT" sz="2000" i="1" dirty="0">
+                <a:solidFill>
+                  <a:prstClr val="black"/>
+                </a:solidFill>
+              </a:rPr>
+              <a:t> a </a:t>
+            </a:r>
+            <a:r>
+              <a:rPr lang="it-IT" sz="2000" i="1" dirty="0" err="1">
+                <a:solidFill>
+                  <a:prstClr val="black"/>
+                </a:solidFill>
+              </a:rPr>
+              <a:t>child</a:t>
+            </a:r>
+            <a:r>
+              <a:rPr lang="it-IT" sz="2000" i="1" dirty="0">
+                <a:solidFill>
+                  <a:prstClr val="black"/>
+                </a:solidFill>
+              </a:rPr>
+              <a:t> </a:t>
+            </a:r>
+            <a:r>
+              <a:rPr lang="it-IT" sz="2000" i="1" dirty="0" err="1">
+                <a:solidFill>
+                  <a:prstClr val="black"/>
+                </a:solidFill>
+              </a:rPr>
+              <a:t>issue</a:t>
+            </a:r>
+            <a:endParaRPr lang="it-IT" sz="2000" dirty="0">
+              <a:solidFill>
+                <a:prstClr val="black"/>
+              </a:solidFill>
+            </a:endParaRPr>
+          </a:p>
+          <a:p>
+            <a:pPr marL="457200" lvl="0" indent="-457200" algn="just">
+              <a:buFont typeface="+mj-lt"/>
+              <a:buAutoNum type="arabicPeriod"/>
+            </a:pPr>
+            <a:r>
+              <a:rPr lang="it-IT" sz="2000" dirty="0">
+                <a:solidFill>
+                  <a:prstClr val="black"/>
+                </a:solidFill>
+              </a:rPr>
+              <a:t>E’ possibile filtrare la roadmap in base allo stato degli Issues dalla barra «Status»</a:t>
+            </a:r>
+          </a:p>
+          <a:p>
+            <a:pPr marL="457200" lvl="0" indent="-457200" algn="just">
+              <a:buFont typeface="+mj-lt"/>
+              <a:buAutoNum type="arabicPeriod"/>
+            </a:pPr>
+            <a:r>
+              <a:rPr lang="it-IT" sz="2000" dirty="0">
+                <a:solidFill>
+                  <a:prstClr val="black"/>
+                </a:solidFill>
+              </a:rPr>
+              <a:t>Cliccando sul nome dell’</a:t>
+            </a:r>
+            <a:r>
+              <a:rPr lang="it-IT" sz="2000" dirty="0" err="1">
+                <a:solidFill>
+                  <a:prstClr val="black"/>
+                </a:solidFill>
+              </a:rPr>
+              <a:t>Epic</a:t>
+            </a:r>
+            <a:r>
+              <a:rPr lang="it-IT" sz="2000" dirty="0">
+                <a:solidFill>
+                  <a:prstClr val="black"/>
+                </a:solidFill>
+              </a:rPr>
+              <a:t> si apre un </a:t>
+            </a:r>
+            <a:r>
+              <a:rPr lang="it-IT" sz="2000" dirty="0" err="1">
+                <a:solidFill>
+                  <a:prstClr val="black"/>
+                </a:solidFill>
+              </a:rPr>
+              <a:t>menu’</a:t>
+            </a:r>
+            <a:r>
+              <a:rPr lang="it-IT" sz="2000" dirty="0">
+                <a:solidFill>
+                  <a:prstClr val="black"/>
+                </a:solidFill>
+              </a:rPr>
+              <a:t> avanzato</a:t>
             </a:r>
           </a:p>
         </p:txBody>
       </p:sp>
       <p:pic>
         <p:nvPicPr>
-          <p:cNvPr id="5" name="Segnaposto contenuto 4">
-            <a:extLst>
-              <a:ext uri="{FF2B5EF4-FFF2-40B4-BE49-F238E27FC236}">
-                <a16:creationId xmlns:a16="http://schemas.microsoft.com/office/drawing/2014/main" id="{936DF449-9854-40D6-A960-87BC54B0C5CD}"/>
+          <p:cNvPr id="6" name="Segnaposto contenuto 5">
+            <a:extLst>
+              <a:ext uri="{FF2B5EF4-FFF2-40B4-BE49-F238E27FC236}">
+                <a16:creationId xmlns:a16="http://schemas.microsoft.com/office/drawing/2014/main" id="{4EC5A9AD-C85A-4E30-AE22-12A3B7A5C9E5}"/>
               </a:ext>
             </a:extLst>
           </p:cNvPr>
@@ -4390,33 +4764,18 @@
         </p:blipFill>
         <p:spPr>
           <a:xfrm>
-            <a:off x="6172200" y="2146827"/>
-            <a:ext cx="5181600" cy="3708934"/>
+            <a:off x="6172200" y="2427137"/>
+            <a:ext cx="5181600" cy="3148313"/>
           </a:xfrm>
           <a:prstGeom prst="rect">
             <a:avLst/>
           </a:prstGeom>
-          <a:ln/>
         </p:spPr>
-        <p:style>
-          <a:lnRef idx="0">
-            <a:schemeClr val="accent2"/>
-          </a:lnRef>
-          <a:fillRef idx="3">
-            <a:schemeClr val="accent2"/>
-          </a:fillRef>
-          <a:effectRef idx="3">
-            <a:schemeClr val="accent2"/>
-          </a:effectRef>
-          <a:fontRef idx="minor">
-            <a:schemeClr val="lt1"/>
-          </a:fontRef>
-        </p:style>
       </p:pic>
     </p:spTree>
     <p:extLst>
       <p:ext uri="{BB962C8B-B14F-4D97-AF65-F5344CB8AC3E}">
-        <p14:creationId xmlns:p14="http://schemas.microsoft.com/office/powerpoint/2010/main" val="2869858094"/>
+        <p14:creationId xmlns:p14="http://schemas.microsoft.com/office/powerpoint/2010/main" val="3997309543"/>
       </p:ext>
     </p:extLst>
   </p:cSld>
@@ -4445,230 +4804,21 @@
       </p:grpSpPr>
       <p:sp>
         <p:nvSpPr>
-          <p:cNvPr id="3" name="Segnaposto contenuto 2">
-            <a:extLst>
-              <a:ext uri="{FF2B5EF4-FFF2-40B4-BE49-F238E27FC236}">
-                <a16:creationId xmlns:a16="http://schemas.microsoft.com/office/drawing/2014/main" id="{0D191F68-C25E-4D82-B28C-FBBA4A268B05}"/>
-              </a:ext>
-            </a:extLst>
-          </p:cNvPr>
-          <p:cNvSpPr>
-            <a:spLocks noGrp="1"/>
-          </p:cNvSpPr>
-          <p:nvPr>
-            <p:ph sz="half" idx="1"/>
+          <p:cNvPr id="2" name="Titolo 1">
+            <a:extLst>
+              <a:ext uri="{FF2B5EF4-FFF2-40B4-BE49-F238E27FC236}">
+                <a16:creationId xmlns:a16="http://schemas.microsoft.com/office/drawing/2014/main" id="{0DACD946-3B9F-406E-BD6F-14430EA44AAF}"/>
+              </a:ext>
+            </a:extLst>
+          </p:cNvPr>
+          <p:cNvSpPr>
+            <a:spLocks noGrp="1"/>
+          </p:cNvSpPr>
+          <p:nvPr>
+            <p:ph type="title"/>
           </p:nvPr>
         </p:nvSpPr>
         <p:spPr>
-          <a:ln w="38100"/>
-        </p:spPr>
-        <p:style>
-          <a:lnRef idx="2">
-            <a:schemeClr val="accent1"/>
-          </a:lnRef>
-          <a:fillRef idx="1">
-            <a:schemeClr val="lt1"/>
-          </a:fillRef>
-          <a:effectRef idx="0">
-            <a:schemeClr val="accent1"/>
-          </a:effectRef>
-          <a:fontRef idx="minor">
-            <a:schemeClr val="dk1"/>
-          </a:fontRef>
-        </p:style>
-        <p:txBody>
-          <a:bodyPr>
-            <a:normAutofit/>
-          </a:bodyPr>
-          <a:lstStyle/>
-          <a:p>
-            <a:pPr marL="0" indent="0">
-              <a:buNone/>
-            </a:pPr>
-            <a:r>
-              <a:rPr lang="it-IT" sz="2000" dirty="0"/>
-              <a:t>Entriamo nel dettaglio di ogni </a:t>
-            </a:r>
-            <a:r>
-              <a:rPr lang="it-IT" sz="2000" dirty="0" err="1"/>
-              <a:t>issue</a:t>
-            </a:r>
-            <a:r>
-              <a:rPr lang="it-IT" sz="2000" dirty="0"/>
-              <a:t> definite anche «</a:t>
-            </a:r>
-            <a:r>
-              <a:rPr lang="it-IT" sz="2000" dirty="0" err="1"/>
-              <a:t>issue</a:t>
-            </a:r>
-            <a:r>
-              <a:rPr lang="it-IT" sz="2000" dirty="0"/>
-              <a:t>»</a:t>
-            </a:r>
-          </a:p>
-          <a:p>
-            <a:pPr marL="457200" indent="-457200">
-              <a:buFont typeface="+mj-lt"/>
-              <a:buAutoNum type="arabicPeriod"/>
-            </a:pPr>
-            <a:r>
-              <a:rPr lang="it-IT" sz="2000" b="1" dirty="0"/>
-              <a:t>E’ possibile aggiungere una descrizione e commenti progressivi all’</a:t>
-            </a:r>
-            <a:r>
-              <a:rPr lang="it-IT" sz="2000" b="1" dirty="0" err="1"/>
-              <a:t>issue</a:t>
-            </a:r>
-            <a:r>
-              <a:rPr lang="it-IT" sz="2000" b="1" dirty="0"/>
-              <a:t>.</a:t>
-            </a:r>
-          </a:p>
-          <a:p>
-            <a:pPr marL="457200" indent="-457200">
-              <a:buFont typeface="+mj-lt"/>
-              <a:buAutoNum type="arabicPeriod"/>
-            </a:pPr>
-            <a:r>
-              <a:rPr lang="it-IT" sz="2000" b="1" dirty="0"/>
-              <a:t>E’ possibile assegnare l’</a:t>
-            </a:r>
-            <a:r>
-              <a:rPr lang="it-IT" sz="2000" b="1" dirty="0" err="1"/>
-              <a:t>issue</a:t>
-            </a:r>
-            <a:r>
-              <a:rPr lang="it-IT" sz="2000" b="1" dirty="0"/>
-              <a:t> ad uno sviluppatore</a:t>
-            </a:r>
-          </a:p>
-          <a:p>
-            <a:pPr marL="457200" indent="-457200">
-              <a:buFont typeface="+mj-lt"/>
-              <a:buAutoNum type="arabicPeriod"/>
-            </a:pPr>
-            <a:r>
-              <a:rPr lang="it-IT" sz="2000" b="1" dirty="0"/>
-              <a:t>E’ possibile assegnare un </a:t>
-            </a:r>
-            <a:r>
-              <a:rPr lang="it-IT" sz="2000" b="1" dirty="0" err="1"/>
-              <a:t>issue</a:t>
-            </a:r>
-            <a:r>
-              <a:rPr lang="it-IT" sz="2000" b="1" dirty="0"/>
-              <a:t> a un </a:t>
-            </a:r>
-            <a:r>
-              <a:rPr lang="it-IT" sz="2000" b="1" dirty="0" err="1"/>
-              <a:t>Epic</a:t>
-            </a:r>
-            <a:r>
-              <a:rPr lang="it-IT" sz="2000" b="1" dirty="0"/>
-              <a:t> (in alto a sinistra)</a:t>
-            </a:r>
-          </a:p>
-          <a:p>
-            <a:pPr marL="457200" indent="-457200">
-              <a:buFont typeface="+mj-lt"/>
-              <a:buAutoNum type="arabicPeriod"/>
-            </a:pPr>
-            <a:r>
-              <a:rPr lang="it-IT" sz="2000" b="1" dirty="0"/>
-              <a:t>E’ possibile aggiungere un allegato o un web-link</a:t>
-            </a:r>
-          </a:p>
-          <a:p>
-            <a:pPr marL="457200" indent="-457200">
-              <a:buFont typeface="+mj-lt"/>
-              <a:buAutoNum type="arabicPeriod"/>
-            </a:pPr>
-            <a:r>
-              <a:rPr lang="it-IT" sz="2000" b="1" dirty="0"/>
-              <a:t>E’ possibile creare un collegamento con altri </a:t>
-            </a:r>
-            <a:r>
-              <a:rPr lang="it-IT" sz="2000" b="1" dirty="0" err="1"/>
-              <a:t>issue</a:t>
-            </a:r>
-            <a:endParaRPr lang="it-IT" sz="2000" b="1" dirty="0"/>
-          </a:p>
-          <a:p>
-            <a:pPr marL="457200" indent="-457200">
-              <a:buFont typeface="+mj-lt"/>
-              <a:buAutoNum type="arabicPeriod"/>
-            </a:pPr>
-            <a:endParaRPr lang="it-IT" sz="2000" b="1" dirty="0"/>
-          </a:p>
-        </p:txBody>
-      </p:sp>
-      <p:pic>
-        <p:nvPicPr>
-          <p:cNvPr id="6" name="Segnaposto contenuto 5">
-            <a:extLst>
-              <a:ext uri="{FF2B5EF4-FFF2-40B4-BE49-F238E27FC236}">
-                <a16:creationId xmlns:a16="http://schemas.microsoft.com/office/drawing/2014/main" id="{D62F8CAF-E582-45B8-A29E-58069CB689E1}"/>
-              </a:ext>
-            </a:extLst>
-          </p:cNvPr>
-          <p:cNvPicPr>
-            <a:picLocks noGrp="1" noChangeAspect="1"/>
-          </p:cNvPicPr>
-          <p:nvPr>
-            <p:ph sz="half" idx="2"/>
-          </p:nvPr>
-        </p:nvPicPr>
-        <p:blipFill>
-          <a:blip r:embed="rId2"/>
-          <a:stretch>
-            <a:fillRect/>
-          </a:stretch>
-        </p:blipFill>
-        <p:spPr>
-          <a:xfrm>
-            <a:off x="6172200" y="2467295"/>
-            <a:ext cx="5181600" cy="3067998"/>
-          </a:xfrm>
-          <a:prstGeom prst="rect">
-            <a:avLst/>
-          </a:prstGeom>
-        </p:spPr>
-        <p:style>
-          <a:lnRef idx="0">
-            <a:schemeClr val="accent2"/>
-          </a:lnRef>
-          <a:fillRef idx="3">
-            <a:schemeClr val="accent2"/>
-          </a:fillRef>
-          <a:effectRef idx="3">
-            <a:schemeClr val="accent2"/>
-          </a:effectRef>
-          <a:fontRef idx="minor">
-            <a:schemeClr val="lt1"/>
-          </a:fontRef>
-        </p:style>
-      </p:pic>
-      <p:sp>
-        <p:nvSpPr>
-          <p:cNvPr id="5" name="Titolo 1">
-            <a:extLst>
-              <a:ext uri="{FF2B5EF4-FFF2-40B4-BE49-F238E27FC236}">
-                <a16:creationId xmlns:a16="http://schemas.microsoft.com/office/drawing/2014/main" id="{B9BE31C0-2A6A-42F1-9077-30F7E833AFFF}"/>
-              </a:ext>
-            </a:extLst>
-          </p:cNvPr>
-          <p:cNvSpPr>
-            <a:spLocks noGrp="1"/>
-          </p:cNvSpPr>
-          <p:nvPr>
-            <p:ph type="title"/>
-          </p:nvPr>
-        </p:nvSpPr>
-        <p:spPr>
-          <a:xfrm>
-            <a:off x="838200" y="365125"/>
-            <a:ext cx="10515600" cy="1325563"/>
-          </a:xfrm>
           <a:ln/>
         </p:spPr>
         <p:style>
@@ -4693,15 +4843,178 @@
           <a:p>
             <a:r>
               <a:rPr lang="it-IT" dirty="0"/>
-              <a:t>JIRA – BOARD [2]</a:t>
-            </a:r>
-          </a:p>
-        </p:txBody>
-      </p:sp>
+              <a:t>JIRA – Backlog e sprint</a:t>
+            </a:r>
+          </a:p>
+        </p:txBody>
+      </p:sp>
+      <p:sp>
+        <p:nvSpPr>
+          <p:cNvPr id="14" name="Segnaposto contenuto 13">
+            <a:extLst>
+              <a:ext uri="{FF2B5EF4-FFF2-40B4-BE49-F238E27FC236}">
+                <a16:creationId xmlns:a16="http://schemas.microsoft.com/office/drawing/2014/main" id="{2D664A96-2CA7-4206-A510-9ECECCE8CBE2}"/>
+              </a:ext>
+            </a:extLst>
+          </p:cNvPr>
+          <p:cNvSpPr>
+            <a:spLocks noGrp="1"/>
+          </p:cNvSpPr>
+          <p:nvPr>
+            <p:ph sz="half" idx="1"/>
+          </p:nvPr>
+        </p:nvSpPr>
+        <p:spPr>
+          <a:xfrm>
+            <a:off x="838200" y="1825625"/>
+            <a:ext cx="5334000" cy="4351338"/>
+          </a:xfrm>
+          <a:ln w="38100">
+            <a:noFill/>
+          </a:ln>
+        </p:spPr>
+        <p:style>
+          <a:lnRef idx="2">
+            <a:schemeClr val="accent1"/>
+          </a:lnRef>
+          <a:fillRef idx="1">
+            <a:schemeClr val="lt1"/>
+          </a:fillRef>
+          <a:effectRef idx="0">
+            <a:schemeClr val="accent1"/>
+          </a:effectRef>
+          <a:fontRef idx="minor">
+            <a:schemeClr val="dk1"/>
+          </a:fontRef>
+        </p:style>
+        <p:txBody>
+          <a:bodyPr anchor="ctr">
+            <a:normAutofit/>
+          </a:bodyPr>
+          <a:lstStyle/>
+          <a:p>
+            <a:pPr marL="0" indent="0">
+              <a:buNone/>
+            </a:pPr>
+            <a:r>
+              <a:rPr lang="it-IT" sz="2000" dirty="0"/>
+              <a:t>E’ possibile aggiungere degli obiettivi intermedi che prendono il nome di «sprint»</a:t>
+            </a:r>
+          </a:p>
+          <a:p>
+            <a:pPr marL="457200" indent="-457200">
+              <a:buFont typeface="+mj-lt"/>
+              <a:buAutoNum type="arabicPeriod"/>
+            </a:pPr>
+            <a:r>
+              <a:rPr lang="it-IT" sz="2000" dirty="0"/>
+              <a:t>Ogni sprint ha un inizio e una fine esattamente come un </a:t>
+            </a:r>
+            <a:r>
+              <a:rPr lang="it-IT" sz="2000" dirty="0" err="1"/>
+              <a:t>Epic</a:t>
+            </a:r>
+            <a:r>
+              <a:rPr lang="it-IT" sz="2000" dirty="0"/>
+              <a:t>. </a:t>
+            </a:r>
+          </a:p>
+          <a:p>
+            <a:pPr marL="457200" indent="-457200">
+              <a:buFont typeface="+mj-lt"/>
+              <a:buAutoNum type="arabicPeriod"/>
+            </a:pPr>
+            <a:r>
+              <a:rPr lang="it-IT" sz="2000" dirty="0"/>
+              <a:t>E’ possibile definire lo «Sprint goal», una descrizione dell’obiettivo dello sprint</a:t>
+            </a:r>
+          </a:p>
+          <a:p>
+            <a:pPr marL="457200" indent="-457200">
+              <a:buFont typeface="+mj-lt"/>
+              <a:buAutoNum type="arabicPeriod"/>
+            </a:pPr>
+            <a:r>
+              <a:rPr lang="it-IT" sz="2000" dirty="0"/>
+              <a:t>Ad ogni sprint è possibile aggiungere degli </a:t>
+            </a:r>
+            <a:r>
+              <a:rPr lang="it-IT" sz="2000" dirty="0" err="1"/>
+              <a:t>issue</a:t>
+            </a:r>
+            <a:r>
+              <a:rPr lang="it-IT" sz="2000" dirty="0"/>
+              <a:t> ordinati secondo priorità</a:t>
+            </a:r>
+          </a:p>
+        </p:txBody>
+      </p:sp>
+      <p:pic>
+        <p:nvPicPr>
+          <p:cNvPr id="7" name="Segnaposto contenuto 6">
+            <a:extLst>
+              <a:ext uri="{FF2B5EF4-FFF2-40B4-BE49-F238E27FC236}">
+                <a16:creationId xmlns:a16="http://schemas.microsoft.com/office/drawing/2014/main" id="{A7761510-C826-4EB6-8FBE-3DE508C98403}"/>
+              </a:ext>
+            </a:extLst>
+          </p:cNvPr>
+          <p:cNvPicPr>
+            <a:picLocks noGrp="1" noChangeAspect="1"/>
+          </p:cNvPicPr>
+          <p:nvPr>
+            <p:ph sz="half" idx="2"/>
+          </p:nvPr>
+        </p:nvPicPr>
+        <p:blipFill>
+          <a:blip r:embed="rId2"/>
+          <a:stretch>
+            <a:fillRect/>
+          </a:stretch>
+        </p:blipFill>
+        <p:spPr>
+          <a:xfrm>
+            <a:off x="6172200" y="1825625"/>
+            <a:ext cx="5181600" cy="1686495"/>
+          </a:xfrm>
+          <a:prstGeom prst="rect">
+            <a:avLst/>
+          </a:prstGeom>
+        </p:spPr>
+      </p:pic>
+      <p:pic>
+        <p:nvPicPr>
+          <p:cNvPr id="9" name="Immagine 8">
+            <a:extLst>
+              <a:ext uri="{FF2B5EF4-FFF2-40B4-BE49-F238E27FC236}">
+                <a16:creationId xmlns:a16="http://schemas.microsoft.com/office/drawing/2014/main" id="{2B142429-6F6E-4431-BE54-0A5CBBD17E25}"/>
+              </a:ext>
+            </a:extLst>
+          </p:cNvPr>
+          <p:cNvPicPr>
+            <a:picLocks noChangeAspect="1"/>
+          </p:cNvPicPr>
+          <p:nvPr/>
+        </p:nvPicPr>
+        <p:blipFill>
+          <a:blip r:embed="rId3"/>
+          <a:stretch>
+            <a:fillRect/>
+          </a:stretch>
+        </p:blipFill>
+        <p:spPr>
+          <a:xfrm>
+            <a:off x="7000875" y="3429000"/>
+            <a:ext cx="3524250" cy="3048000"/>
+          </a:xfrm>
+          <a:prstGeom prst="rect">
+            <a:avLst/>
+          </a:prstGeom>
+        </p:spPr>
+      </p:pic>
     </p:spTree>
     <p:extLst>
       <p:ext uri="{BB962C8B-B14F-4D97-AF65-F5344CB8AC3E}">
-        <p14:creationId xmlns:p14="http://schemas.microsoft.com/office/powerpoint/2010/main" val="971836613"/>
+        <p14:creationId xmlns:p14="http://schemas.microsoft.com/office/powerpoint/2010/main" val="1338339896"/>
       </p:ext>
     </p:extLst>
   </p:cSld>
@@ -4730,200 +5043,21 @@
       </p:grpSpPr>
       <p:sp>
         <p:nvSpPr>
-          <p:cNvPr id="3" name="Segnaposto contenuto 2">
-            <a:extLst>
-              <a:ext uri="{FF2B5EF4-FFF2-40B4-BE49-F238E27FC236}">
-                <a16:creationId xmlns:a16="http://schemas.microsoft.com/office/drawing/2014/main" id="{D421A1B5-0CCC-46F3-8ECB-21F008D70FBC}"/>
-              </a:ext>
-            </a:extLst>
-          </p:cNvPr>
-          <p:cNvSpPr>
-            <a:spLocks noGrp="1"/>
-          </p:cNvSpPr>
-          <p:nvPr>
-            <p:ph sz="half" idx="1"/>
+          <p:cNvPr id="2" name="Titolo 1">
+            <a:extLst>
+              <a:ext uri="{FF2B5EF4-FFF2-40B4-BE49-F238E27FC236}">
+                <a16:creationId xmlns:a16="http://schemas.microsoft.com/office/drawing/2014/main" id="{90E46075-1073-42C0-8132-722EB4D357A5}"/>
+              </a:ext>
+            </a:extLst>
+          </p:cNvPr>
+          <p:cNvSpPr>
+            <a:spLocks noGrp="1"/>
+          </p:cNvSpPr>
+          <p:nvPr>
+            <p:ph type="title"/>
           </p:nvPr>
         </p:nvSpPr>
         <p:spPr>
-          <a:ln w="38100"/>
-        </p:spPr>
-        <p:style>
-          <a:lnRef idx="2">
-            <a:schemeClr val="accent1"/>
-          </a:lnRef>
-          <a:fillRef idx="1">
-            <a:schemeClr val="lt1"/>
-          </a:fillRef>
-          <a:effectRef idx="0">
-            <a:schemeClr val="accent1"/>
-          </a:effectRef>
-          <a:fontRef idx="minor">
-            <a:schemeClr val="dk1"/>
-          </a:fontRef>
-        </p:style>
-        <p:txBody>
-          <a:bodyPr>
-            <a:normAutofit/>
-          </a:bodyPr>
-          <a:lstStyle/>
-          <a:p>
-            <a:pPr marL="0" indent="0" algn="just">
-              <a:buNone/>
-            </a:pPr>
-            <a:r>
-              <a:rPr lang="it-IT" sz="2000" dirty="0"/>
-              <a:t>Entriamo nel dettaglio dei link tra i vari </a:t>
-            </a:r>
-            <a:r>
-              <a:rPr lang="it-IT" sz="2000" dirty="0" err="1"/>
-              <a:t>issues</a:t>
-            </a:r>
-            <a:r>
-              <a:rPr lang="it-IT" sz="2000" dirty="0"/>
-              <a:t>.</a:t>
-            </a:r>
-          </a:p>
-          <a:p>
-            <a:pPr marL="0" indent="0" algn="just">
-              <a:buNone/>
-            </a:pPr>
-            <a:r>
-              <a:rPr lang="it-IT" sz="2000" dirty="0"/>
-              <a:t>Cliccando sulla </a:t>
-            </a:r>
-            <a:r>
-              <a:rPr lang="it-IT" sz="2000" dirty="0" err="1"/>
-              <a:t>tab</a:t>
-            </a:r>
-            <a:r>
-              <a:rPr lang="it-IT" sz="2000" dirty="0"/>
-              <a:t> «Link </a:t>
-            </a:r>
-            <a:r>
-              <a:rPr lang="it-IT" sz="2000" dirty="0" err="1"/>
-              <a:t>issue</a:t>
-            </a:r>
-            <a:r>
-              <a:rPr lang="it-IT" sz="2000" dirty="0"/>
-              <a:t>» si apre un menù, «</a:t>
-            </a:r>
-            <a:r>
-              <a:rPr lang="it-IT" sz="2000" dirty="0" err="1"/>
-              <a:t>Linked</a:t>
-            </a:r>
-            <a:r>
-              <a:rPr lang="it-IT" sz="2000" dirty="0"/>
-              <a:t> Issues» di cui è possibile scegliere una relazione tra i due </a:t>
-            </a:r>
-            <a:r>
-              <a:rPr lang="it-IT" sz="2000" dirty="0" err="1"/>
-              <a:t>issues</a:t>
-            </a:r>
-            <a:r>
-              <a:rPr lang="it-IT" sz="2000" dirty="0"/>
-              <a:t> tra quelle rappresentare in figura e digitare il l’</a:t>
-            </a:r>
-            <a:r>
-              <a:rPr lang="it-IT" sz="2000" dirty="0" err="1"/>
-              <a:t>issue</a:t>
-            </a:r>
-            <a:r>
-              <a:rPr lang="it-IT" sz="2000" dirty="0"/>
-              <a:t> da linkare.</a:t>
-            </a:r>
-          </a:p>
-          <a:p>
-            <a:pPr marL="0" indent="0" algn="just">
-              <a:buNone/>
-            </a:pPr>
-            <a:endParaRPr lang="it-IT" sz="2000" dirty="0"/>
-          </a:p>
-          <a:p>
-            <a:pPr marL="0" indent="0" algn="just">
-              <a:buNone/>
-            </a:pPr>
-            <a:r>
-              <a:rPr lang="it-IT" sz="2000" dirty="0"/>
-              <a:t>Cliccando sulla </a:t>
-            </a:r>
-            <a:r>
-              <a:rPr lang="it-IT" sz="2000" dirty="0" err="1"/>
-              <a:t>tab</a:t>
-            </a:r>
-            <a:r>
-              <a:rPr lang="it-IT" sz="2000" dirty="0"/>
-              <a:t> «</a:t>
-            </a:r>
-            <a:r>
-              <a:rPr lang="it-IT" sz="2000" dirty="0" err="1"/>
-              <a:t>Add</a:t>
-            </a:r>
-            <a:r>
-              <a:rPr lang="it-IT" sz="2000" dirty="0"/>
-              <a:t> a </a:t>
-            </a:r>
-            <a:r>
-              <a:rPr lang="it-IT" sz="2000" dirty="0" err="1"/>
-              <a:t>child</a:t>
-            </a:r>
-            <a:r>
-              <a:rPr lang="it-IT" sz="2000" dirty="0"/>
-              <a:t> </a:t>
-            </a:r>
-            <a:r>
-              <a:rPr lang="it-IT" sz="2000" dirty="0" err="1"/>
-              <a:t>issue</a:t>
-            </a:r>
-            <a:r>
-              <a:rPr lang="it-IT" sz="2000" dirty="0"/>
-              <a:t>» è possibile invece creare un figlio dell’</a:t>
-            </a:r>
-            <a:r>
-              <a:rPr lang="it-IT" sz="2000" dirty="0" err="1"/>
-              <a:t>issue</a:t>
-            </a:r>
-            <a:r>
-              <a:rPr lang="it-IT" sz="2000" dirty="0"/>
-              <a:t>. Questa tipologia si applica quando un </a:t>
-            </a:r>
-            <a:r>
-              <a:rPr lang="it-IT" sz="2000" dirty="0" err="1"/>
-              <a:t>issue</a:t>
-            </a:r>
-            <a:r>
-              <a:rPr lang="it-IT" sz="2000" dirty="0"/>
-              <a:t> ne genera altri trovati in fase di sviluppo</a:t>
-            </a:r>
-          </a:p>
-          <a:p>
-            <a:pPr marL="0" indent="0" algn="just">
-              <a:buNone/>
-            </a:pPr>
-            <a:endParaRPr lang="it-IT" sz="2000" dirty="0"/>
-          </a:p>
-        </p:txBody>
-      </p:sp>
-      <p:sp>
-        <p:nvSpPr>
-          <p:cNvPr id="5" name="Titolo 1">
-            <a:extLst>
-              <a:ext uri="{FF2B5EF4-FFF2-40B4-BE49-F238E27FC236}">
-                <a16:creationId xmlns:a16="http://schemas.microsoft.com/office/drawing/2014/main" id="{5A77EFA4-6D7E-4131-9284-434DB0067756}"/>
-              </a:ext>
-            </a:extLst>
-          </p:cNvPr>
-          <p:cNvSpPr>
-            <a:spLocks noGrp="1"/>
-          </p:cNvSpPr>
-          <p:nvPr>
-            <p:ph type="title"/>
-          </p:nvPr>
-        </p:nvSpPr>
-        <p:spPr>
-          <a:xfrm>
-            <a:off x="838200" y="365125"/>
-            <a:ext cx="10515600" cy="1325563"/>
-          </a:xfrm>
           <a:ln/>
         </p:spPr>
         <p:style>
@@ -4948,17 +5082,131 @@
           <a:p>
             <a:r>
               <a:rPr lang="it-IT" dirty="0"/>
-              <a:t>JIRA – BOARD [3]</a:t>
+              <a:t>JIRA – BOARD [1]</a:t>
+            </a:r>
+          </a:p>
+        </p:txBody>
+      </p:sp>
+      <p:sp>
+        <p:nvSpPr>
+          <p:cNvPr id="3" name="Segnaposto contenuto 2">
+            <a:extLst>
+              <a:ext uri="{FF2B5EF4-FFF2-40B4-BE49-F238E27FC236}">
+                <a16:creationId xmlns:a16="http://schemas.microsoft.com/office/drawing/2014/main" id="{B72A0A9F-C322-4753-8862-81314CC29700}"/>
+              </a:ext>
+            </a:extLst>
+          </p:cNvPr>
+          <p:cNvSpPr>
+            <a:spLocks noGrp="1"/>
+          </p:cNvSpPr>
+          <p:nvPr>
+            <p:ph sz="half" idx="1"/>
+          </p:nvPr>
+        </p:nvSpPr>
+        <p:spPr>
+          <a:xfrm>
+            <a:off x="838200" y="1825625"/>
+            <a:ext cx="5334000" cy="4351338"/>
+          </a:xfrm>
+          <a:ln w="38100">
+            <a:noFill/>
+          </a:ln>
+        </p:spPr>
+        <p:style>
+          <a:lnRef idx="2">
+            <a:schemeClr val="accent1"/>
+          </a:lnRef>
+          <a:fillRef idx="1">
+            <a:schemeClr val="lt1"/>
+          </a:fillRef>
+          <a:effectRef idx="0">
+            <a:schemeClr val="accent1"/>
+          </a:effectRef>
+          <a:fontRef idx="minor">
+            <a:schemeClr val="dk1"/>
+          </a:fontRef>
+        </p:style>
+        <p:txBody>
+          <a:bodyPr>
+            <a:normAutofit/>
+          </a:bodyPr>
+          <a:lstStyle/>
+          <a:p>
+            <a:pPr marL="0" indent="0" algn="just">
+              <a:buNone/>
+            </a:pPr>
+            <a:r>
+              <a:rPr lang="it-IT" sz="2000" dirty="0"/>
+              <a:t>La scheda Board contiene gli </a:t>
+            </a:r>
+            <a:r>
+              <a:rPr lang="it-IT" sz="2000" dirty="0" err="1"/>
+              <a:t>issues</a:t>
+            </a:r>
+            <a:r>
+              <a:rPr lang="it-IT" sz="2000" dirty="0"/>
+              <a:t> ordinati secondo il loro stato e assegnati eventualmente a un </a:t>
+            </a:r>
+            <a:r>
+              <a:rPr lang="it-IT" sz="2000" dirty="0" err="1"/>
+              <a:t>Epic</a:t>
+            </a:r>
+            <a:r>
+              <a:rPr lang="it-IT" sz="2000" dirty="0"/>
+              <a:t> o a uno sprint</a:t>
+            </a:r>
+          </a:p>
+          <a:p>
+            <a:pPr marL="457200" indent="-457200">
+              <a:buAutoNum type="arabicPeriod"/>
+            </a:pPr>
+            <a:r>
+              <a:rPr lang="it-IT" sz="2000" dirty="0"/>
+              <a:t>E’ possibile spostare gli </a:t>
+            </a:r>
+            <a:r>
+              <a:rPr lang="it-IT" sz="2000" dirty="0" err="1"/>
+              <a:t>issues</a:t>
+            </a:r>
+            <a:r>
+              <a:rPr lang="it-IT" sz="2000" dirty="0"/>
+              <a:t> su uno stato diverso semplicemente trascinandoli.</a:t>
+            </a:r>
+          </a:p>
+          <a:p>
+            <a:pPr marL="457200" indent="-457200">
+              <a:buAutoNum type="arabicPeriod"/>
+            </a:pPr>
+            <a:r>
+              <a:rPr lang="it-IT" sz="2000" dirty="0"/>
+              <a:t>E’ possibile creare una colonna custom e quindi uno stato custom tramite il simbolo «+»</a:t>
+            </a:r>
+          </a:p>
+          <a:p>
+            <a:pPr marL="457200" indent="-457200">
+              <a:buAutoNum type="arabicPeriod"/>
+            </a:pPr>
+            <a:r>
+              <a:rPr lang="it-IT" sz="2000" dirty="0"/>
+              <a:t>E’ possibile cercare il nome di un </a:t>
+            </a:r>
+            <a:r>
+              <a:rPr lang="it-IT" sz="2000" dirty="0" err="1"/>
+              <a:t>issue</a:t>
+            </a:r>
+            <a:r>
+              <a:rPr lang="it-IT" sz="2000" dirty="0"/>
+              <a:t> tramite la barra di ricerca</a:t>
             </a:r>
           </a:p>
         </p:txBody>
       </p:sp>
       <p:pic>
         <p:nvPicPr>
-          <p:cNvPr id="10" name="Segnaposto contenuto 9">
-            <a:extLst>
-              <a:ext uri="{FF2B5EF4-FFF2-40B4-BE49-F238E27FC236}">
-                <a16:creationId xmlns:a16="http://schemas.microsoft.com/office/drawing/2014/main" id="{50EB88BD-AB73-4F6E-BAC3-83F662E2E51C}"/>
+          <p:cNvPr id="11" name="Segnaposto contenuto 10">
+            <a:extLst>
+              <a:ext uri="{FF2B5EF4-FFF2-40B4-BE49-F238E27FC236}">
+                <a16:creationId xmlns:a16="http://schemas.microsoft.com/office/drawing/2014/main" id="{1C9A5E41-B7F8-4F6F-BA05-D69010B3018D}"/>
               </a:ext>
             </a:extLst>
           </p:cNvPr>
@@ -4977,32 +5225,18 @@
         </p:blipFill>
         <p:spPr>
           <a:xfrm>
-            <a:off x="6385924" y="1825625"/>
-            <a:ext cx="4967876" cy="4351338"/>
+            <a:off x="6172200" y="3270935"/>
+            <a:ext cx="5181600" cy="1460717"/>
           </a:xfrm>
           <a:prstGeom prst="rect">
             <a:avLst/>
           </a:prstGeom>
         </p:spPr>
-        <p:style>
-          <a:lnRef idx="0">
-            <a:schemeClr val="accent2"/>
-          </a:lnRef>
-          <a:fillRef idx="3">
-            <a:schemeClr val="accent2"/>
-          </a:fillRef>
-          <a:effectRef idx="3">
-            <a:schemeClr val="accent2"/>
-          </a:effectRef>
-          <a:fontRef idx="minor">
-            <a:schemeClr val="lt1"/>
-          </a:fontRef>
-        </p:style>
       </p:pic>
     </p:spTree>
     <p:extLst>
       <p:ext uri="{BB962C8B-B14F-4D97-AF65-F5344CB8AC3E}">
-        <p14:creationId xmlns:p14="http://schemas.microsoft.com/office/powerpoint/2010/main" val="3389311864"/>
+        <p14:creationId xmlns:p14="http://schemas.microsoft.com/office/powerpoint/2010/main" val="2869858094"/>
       </p:ext>
     </p:extLst>
   </p:cSld>
@@ -5034,7 +5268,7 @@
           <p:cNvPr id="3" name="Segnaposto contenuto 2">
             <a:extLst>
               <a:ext uri="{FF2B5EF4-FFF2-40B4-BE49-F238E27FC236}">
-                <a16:creationId xmlns:a16="http://schemas.microsoft.com/office/drawing/2014/main" id="{D421A1B5-0CCC-46F3-8ECB-21F008D70FBC}"/>
+                <a16:creationId xmlns:a16="http://schemas.microsoft.com/office/drawing/2014/main" id="{0D191F68-C25E-4D82-B28C-FBBA4A268B05}"/>
               </a:ext>
             </a:extLst>
           </p:cNvPr>
@@ -5046,7 +5280,9 @@
           </p:nvPr>
         </p:nvSpPr>
         <p:spPr>
-          <a:ln w="38100"/>
+          <a:ln w="38100">
+            <a:noFill/>
+          </a:ln>
         </p:spPr>
         <p:style>
           <a:lnRef idx="2">
@@ -5064,63 +5300,130 @@
         </p:style>
         <p:txBody>
           <a:bodyPr>
-            <a:normAutofit fontScale="92500" lnSpcReduction="20000"/>
+            <a:normAutofit/>
           </a:bodyPr>
           <a:lstStyle/>
           <a:p>
-            <a:pPr marL="0" indent="0" algn="just">
+            <a:pPr marL="0" indent="0">
               <a:buNone/>
             </a:pPr>
             <a:r>
               <a:rPr lang="it-IT" sz="2000" dirty="0"/>
-              <a:t>E’ possibile interagire con GitHub. Al momento è presente un link diretto tra JIRA  GitHub ma non ho approfondito che tipo di relazione c’è e come eventualmente può essere usata. </a:t>
-            </a:r>
-          </a:p>
-          <a:p>
-            <a:pPr marL="0" indent="0" algn="just">
-              <a:buNone/>
+              <a:t>Entriamo nel menu avanzato degli </a:t>
+            </a:r>
+            <a:r>
+              <a:rPr lang="it-IT" sz="2000" dirty="0" err="1"/>
+              <a:t>issues</a:t>
+            </a:r>
+            <a:r>
+              <a:rPr lang="it-IT" sz="2000" dirty="0"/>
+              <a:t>.</a:t>
+            </a:r>
+          </a:p>
+          <a:p>
+            <a:pPr marL="457200" indent="-457200">
+              <a:buFont typeface="+mj-lt"/>
+              <a:buAutoNum type="arabicPeriod"/>
             </a:pPr>
             <a:r>
               <a:rPr lang="it-IT" sz="2000" dirty="0"/>
-              <a:t>Vediamo un esempio pratico di interazione tra JIRA/GIT/GITHUB.</a:t>
-            </a:r>
-          </a:p>
-          <a:p>
-            <a:pPr marL="0" indent="0" algn="just">
-              <a:buNone/>
+              <a:t>E’ possibile aggiungere una descrizione e commenti progressivi all’</a:t>
+            </a:r>
+            <a:r>
+              <a:rPr lang="it-IT" sz="2000" dirty="0" err="1"/>
+              <a:t>issue</a:t>
+            </a:r>
+            <a:r>
+              <a:rPr lang="it-IT" sz="2000" dirty="0"/>
+              <a:t>.</a:t>
+            </a:r>
+          </a:p>
+          <a:p>
+            <a:pPr marL="457200" indent="-457200">
+              <a:buFont typeface="+mj-lt"/>
+              <a:buAutoNum type="arabicPeriod"/>
             </a:pPr>
             <a:r>
-              <a:rPr lang="it-IT" sz="2000" dirty="0">
-                <a:sym typeface="Wingdings" panose="05000000000000000000" pitchFamily="2" charset="2"/>
-              </a:rPr>
-              <a:t> Sviluppo quotidiano.</a:t>
-            </a:r>
-            <a:endParaRPr lang="it-IT" sz="2000" dirty="0"/>
-          </a:p>
-          <a:p>
-            <a:pPr marL="0" indent="0" algn="just">
-              <a:buNone/>
+              <a:rPr lang="it-IT" sz="2000" dirty="0"/>
+              <a:t>E’ possibile assegnare l’</a:t>
+            </a:r>
+            <a:r>
+              <a:rPr lang="it-IT" sz="2000" dirty="0" err="1"/>
+              <a:t>issue</a:t>
+            </a:r>
+            <a:r>
+              <a:rPr lang="it-IT" sz="2000" dirty="0"/>
+              <a:t> ad uno sviluppatore</a:t>
+            </a:r>
+          </a:p>
+          <a:p>
+            <a:pPr marL="457200" indent="-457200">
+              <a:buFont typeface="+mj-lt"/>
+              <a:buAutoNum type="arabicPeriod"/>
             </a:pPr>
             <a:r>
               <a:rPr lang="it-IT" sz="2000" dirty="0"/>
-              <a:t>Apro JIRA, leggo la roadmap e decido di sviluppare un CRXXXX. Cambio il suo stato da «TO DO» a «IN PROGRESS». Passo allo sviluppo con </a:t>
+              <a:t>E’ possibile assegnare un </a:t>
             </a:r>
             <a:r>
               <a:rPr lang="it-IT" sz="2000" dirty="0" err="1"/>
-              <a:t>Git</a:t>
+              <a:t>issue</a:t>
             </a:r>
             <a:r>
               <a:rPr lang="it-IT" sz="2000" dirty="0"/>
-              <a:t>. Una volta completato lo sviluppo aggiungo come commento al </a:t>
+              <a:t> a un </a:t>
             </a:r>
             <a:r>
               <a:rPr lang="it-IT" sz="2000" dirty="0" err="1"/>
-              <a:t>commit</a:t>
+              <a:t>Epic</a:t>
             </a:r>
             <a:r>
               <a:rPr lang="it-IT" sz="2000" dirty="0"/>
-              <a:t> il tag CRXXXX in modo tale da avere traccia che quella modifica ha risolto il CRXXXX mappato su JIRA. A questo punto, su JIRA aggiorno lo stato del CRXXXX da «IN PROGRESS» a «DONE» aggiungendo eventualmente commenti.</a:t>
-            </a:r>
+              <a:t> (in alto a sinistra)</a:t>
+            </a:r>
+          </a:p>
+          <a:p>
+            <a:pPr marL="457200" indent="-457200">
+              <a:buFont typeface="+mj-lt"/>
+              <a:buAutoNum type="arabicPeriod"/>
+            </a:pPr>
+            <a:r>
+              <a:rPr lang="it-IT" sz="2000" dirty="0"/>
+              <a:t>E’ possibile aggiungere un allegato, un web-link, la </a:t>
+            </a:r>
+            <a:r>
+              <a:rPr lang="it-IT" sz="2000" dirty="0" err="1"/>
+              <a:t>priorià</a:t>
+            </a:r>
+            <a:r>
+              <a:rPr lang="it-IT" sz="2000" dirty="0"/>
+              <a:t>, il time tracking e molto altro</a:t>
+            </a:r>
+          </a:p>
+          <a:p>
+            <a:pPr marL="457200" indent="-457200">
+              <a:buFont typeface="+mj-lt"/>
+              <a:buAutoNum type="arabicPeriod"/>
+            </a:pPr>
+            <a:r>
+              <a:rPr lang="it-IT" sz="2000" dirty="0"/>
+              <a:t>E’ possibile creare un collegamento con altri </a:t>
+            </a:r>
+            <a:r>
+              <a:rPr lang="it-IT" sz="2000" dirty="0" err="1"/>
+              <a:t>issue</a:t>
+            </a:r>
+            <a:r>
+              <a:rPr lang="it-IT" sz="2000" dirty="0"/>
+              <a:t> dipendenti</a:t>
+            </a:r>
+          </a:p>
+          <a:p>
+            <a:pPr marL="457200" indent="-457200">
+              <a:buFont typeface="+mj-lt"/>
+              <a:buAutoNum type="arabicPeriod"/>
+            </a:pPr>
+            <a:endParaRPr lang="it-IT" sz="2000" b="1" dirty="0"/>
           </a:p>
         </p:txBody>
       </p:sp>
@@ -5129,7 +5432,7 @@
           <p:cNvPr id="5" name="Titolo 1">
             <a:extLst>
               <a:ext uri="{FF2B5EF4-FFF2-40B4-BE49-F238E27FC236}">
-                <a16:creationId xmlns:a16="http://schemas.microsoft.com/office/drawing/2014/main" id="{5A77EFA4-6D7E-4131-9284-434DB0067756}"/>
+                <a16:creationId xmlns:a16="http://schemas.microsoft.com/office/drawing/2014/main" id="{B9BE31C0-2A6A-42F1-9077-30F7E833AFFF}"/>
               </a:ext>
             </a:extLst>
           </p:cNvPr>
@@ -5169,17 +5472,17 @@
           <a:p>
             <a:r>
               <a:rPr lang="it-IT" dirty="0"/>
-              <a:t>JIRA – GitHub &amp; Conclusioni</a:t>
+              <a:t>JIRA – BOARD [2]</a:t>
             </a:r>
           </a:p>
         </p:txBody>
       </p:sp>
       <p:pic>
         <p:nvPicPr>
-          <p:cNvPr id="6" name="Segnaposto contenuto 5">
-            <a:extLst>
-              <a:ext uri="{FF2B5EF4-FFF2-40B4-BE49-F238E27FC236}">
-                <a16:creationId xmlns:a16="http://schemas.microsoft.com/office/drawing/2014/main" id="{6B2A1CD9-E0E7-4C41-B19C-B5C7A3289ED8}"/>
+          <p:cNvPr id="7" name="Segnaposto contenuto 6">
+            <a:extLst>
+              <a:ext uri="{FF2B5EF4-FFF2-40B4-BE49-F238E27FC236}">
+                <a16:creationId xmlns:a16="http://schemas.microsoft.com/office/drawing/2014/main" id="{20104826-8F02-4B14-B156-66AC1BD009C1}"/>
               </a:ext>
             </a:extLst>
           </p:cNvPr>
@@ -5198,32 +5501,311 @@
         </p:blipFill>
         <p:spPr>
           <a:xfrm>
-            <a:off x="6172200" y="2247054"/>
-            <a:ext cx="5181600" cy="3508480"/>
+            <a:off x="6172200" y="2500195"/>
+            <a:ext cx="5181600" cy="3002197"/>
           </a:xfrm>
           <a:prstGeom prst="rect">
             <a:avLst/>
           </a:prstGeom>
         </p:spPr>
+      </p:pic>
+    </p:spTree>
+    <p:extLst>
+      <p:ext uri="{BB962C8B-B14F-4D97-AF65-F5344CB8AC3E}">
+        <p14:creationId xmlns:p14="http://schemas.microsoft.com/office/powerpoint/2010/main" val="971836613"/>
+      </p:ext>
+    </p:extLst>
+  </p:cSld>
+  <p:clrMapOvr>
+    <a:masterClrMapping/>
+  </p:clrMapOvr>
+</p:sld>
+</file>
+
+<file path=ppt/slides/slide9.xml><?xml version="1.0" encoding="utf-8"?>
+<p:sld xmlns:a="http://schemas.openxmlformats.org/drawingml/2006/main" xmlns:r="http://schemas.openxmlformats.org/officeDocument/2006/relationships" xmlns:p="http://schemas.openxmlformats.org/presentationml/2006/main">
+  <p:cSld>
+    <p:spTree>
+      <p:nvGrpSpPr>
+        <p:cNvPr id="1" name=""/>
+        <p:cNvGrpSpPr/>
+        <p:nvPr/>
+      </p:nvGrpSpPr>
+      <p:grpSpPr>
+        <a:xfrm>
+          <a:off x="0" y="0"/>
+          <a:ext cx="0" cy="0"/>
+          <a:chOff x="0" y="0"/>
+          <a:chExt cx="0" cy="0"/>
+        </a:xfrm>
+      </p:grpSpPr>
+      <p:sp>
+        <p:nvSpPr>
+          <p:cNvPr id="3" name="Segnaposto contenuto 2">
+            <a:extLst>
+              <a:ext uri="{FF2B5EF4-FFF2-40B4-BE49-F238E27FC236}">
+                <a16:creationId xmlns:a16="http://schemas.microsoft.com/office/drawing/2014/main" id="{D421A1B5-0CCC-46F3-8ECB-21F008D70FBC}"/>
+              </a:ext>
+            </a:extLst>
+          </p:cNvPr>
+          <p:cNvSpPr>
+            <a:spLocks noGrp="1"/>
+          </p:cNvSpPr>
+          <p:nvPr>
+            <p:ph sz="half" idx="1"/>
+          </p:nvPr>
+        </p:nvSpPr>
+        <p:spPr>
+          <a:xfrm>
+            <a:off x="838200" y="1825625"/>
+            <a:ext cx="5334000" cy="4351338"/>
+          </a:xfrm>
+          <a:ln w="38100">
+            <a:noFill/>
+          </a:ln>
+        </p:spPr>
         <p:style>
-          <a:lnRef idx="0">
-            <a:schemeClr val="accent2"/>
+          <a:lnRef idx="2">
+            <a:schemeClr val="accent1"/>
           </a:lnRef>
-          <a:fillRef idx="3">
-            <a:schemeClr val="accent2"/>
+          <a:fillRef idx="1">
+            <a:schemeClr val="lt1"/>
           </a:fillRef>
-          <a:effectRef idx="3">
-            <a:schemeClr val="accent2"/>
+          <a:effectRef idx="0">
+            <a:schemeClr val="accent1"/>
+          </a:effectRef>
+          <a:fontRef idx="minor">
+            <a:schemeClr val="dk1"/>
+          </a:fontRef>
+        </p:style>
+        <p:txBody>
+          <a:bodyPr anchor="ctr">
+            <a:normAutofit/>
+          </a:bodyPr>
+          <a:lstStyle/>
+          <a:p>
+            <a:pPr marL="0" indent="0" algn="just">
+              <a:buNone/>
+            </a:pPr>
+            <a:r>
+              <a:rPr lang="it-IT" sz="2000" dirty="0"/>
+              <a:t>Entriamo nel dettaglio dei link tra i vari </a:t>
+            </a:r>
+            <a:r>
+              <a:rPr lang="it-IT" sz="2000" dirty="0" err="1"/>
+              <a:t>issues</a:t>
+            </a:r>
+            <a:r>
+              <a:rPr lang="it-IT" sz="2000" dirty="0"/>
+              <a:t>.</a:t>
+            </a:r>
+          </a:p>
+          <a:p>
+            <a:pPr marL="0" indent="0" algn="just">
+              <a:buNone/>
+            </a:pPr>
+            <a:r>
+              <a:rPr lang="it-IT" sz="2000" dirty="0"/>
+              <a:t>Cliccando sulla </a:t>
+            </a:r>
+            <a:r>
+              <a:rPr lang="it-IT" sz="2000" dirty="0" err="1"/>
+              <a:t>tab</a:t>
+            </a:r>
+            <a:r>
+              <a:rPr lang="it-IT" sz="2000" dirty="0"/>
+              <a:t> «Link </a:t>
+            </a:r>
+            <a:r>
+              <a:rPr lang="it-IT" sz="2000" dirty="0" err="1"/>
+              <a:t>issue</a:t>
+            </a:r>
+            <a:r>
+              <a:rPr lang="it-IT" sz="2000" dirty="0"/>
+              <a:t>» si apre un menù, «</a:t>
+            </a:r>
+            <a:r>
+              <a:rPr lang="it-IT" sz="2000" dirty="0" err="1"/>
+              <a:t>Linked</a:t>
+            </a:r>
+            <a:r>
+              <a:rPr lang="it-IT" sz="2000" dirty="0"/>
+              <a:t> Issues» di cui è possibile scegliere una relazione tra i due </a:t>
+            </a:r>
+            <a:r>
+              <a:rPr lang="it-IT" sz="2000" dirty="0" err="1"/>
+              <a:t>issues</a:t>
+            </a:r>
+            <a:r>
+              <a:rPr lang="it-IT" sz="2000" dirty="0"/>
+              <a:t> tra quelle rappresentare in figura e digitare il l’</a:t>
+            </a:r>
+            <a:r>
+              <a:rPr lang="it-IT" sz="2000" dirty="0" err="1"/>
+              <a:t>issue</a:t>
+            </a:r>
+            <a:r>
+              <a:rPr lang="it-IT" sz="2000" dirty="0"/>
+              <a:t> da linkare.</a:t>
+            </a:r>
+          </a:p>
+          <a:p>
+            <a:pPr marL="0" indent="0" algn="just">
+              <a:buNone/>
+            </a:pPr>
+            <a:endParaRPr lang="it-IT" sz="2000" dirty="0"/>
+          </a:p>
+          <a:p>
+            <a:pPr marL="0" indent="0" algn="just">
+              <a:buNone/>
+            </a:pPr>
+            <a:r>
+              <a:rPr lang="it-IT" sz="2000" dirty="0"/>
+              <a:t>Cliccando sulla </a:t>
+            </a:r>
+            <a:r>
+              <a:rPr lang="it-IT" sz="2000" dirty="0" err="1"/>
+              <a:t>tab</a:t>
+            </a:r>
+            <a:r>
+              <a:rPr lang="it-IT" sz="2000" dirty="0"/>
+              <a:t> «</a:t>
+            </a:r>
+            <a:r>
+              <a:rPr lang="it-IT" sz="2000" dirty="0" err="1"/>
+              <a:t>Add</a:t>
+            </a:r>
+            <a:r>
+              <a:rPr lang="it-IT" sz="2000" dirty="0"/>
+              <a:t> a </a:t>
+            </a:r>
+            <a:r>
+              <a:rPr lang="it-IT" sz="2000" dirty="0" err="1"/>
+              <a:t>child</a:t>
+            </a:r>
+            <a:r>
+              <a:rPr lang="it-IT" sz="2000" dirty="0"/>
+              <a:t> </a:t>
+            </a:r>
+            <a:r>
+              <a:rPr lang="it-IT" sz="2000" dirty="0" err="1"/>
+              <a:t>issue</a:t>
+            </a:r>
+            <a:r>
+              <a:rPr lang="it-IT" sz="2000" dirty="0"/>
+              <a:t>» è possibile invece creare un figlio dell’</a:t>
+            </a:r>
+            <a:r>
+              <a:rPr lang="it-IT" sz="2000" dirty="0" err="1"/>
+              <a:t>issue</a:t>
+            </a:r>
+            <a:r>
+              <a:rPr lang="it-IT" sz="2000" dirty="0"/>
+              <a:t>. Questa tipologia si applica quando un </a:t>
+            </a:r>
+            <a:r>
+              <a:rPr lang="it-IT" sz="2000" dirty="0" err="1"/>
+              <a:t>issue</a:t>
+            </a:r>
+            <a:r>
+              <a:rPr lang="it-IT" sz="2000" dirty="0"/>
+              <a:t> ne genera altri trovati in fase di sviluppo</a:t>
+            </a:r>
+          </a:p>
+          <a:p>
+            <a:pPr marL="0" indent="0" algn="just">
+              <a:buNone/>
+            </a:pPr>
+            <a:endParaRPr lang="it-IT" sz="2000" dirty="0"/>
+          </a:p>
+        </p:txBody>
+      </p:sp>
+      <p:sp>
+        <p:nvSpPr>
+          <p:cNvPr id="5" name="Titolo 1">
+            <a:extLst>
+              <a:ext uri="{FF2B5EF4-FFF2-40B4-BE49-F238E27FC236}">
+                <a16:creationId xmlns:a16="http://schemas.microsoft.com/office/drawing/2014/main" id="{5A77EFA4-6D7E-4131-9284-434DB0067756}"/>
+              </a:ext>
+            </a:extLst>
+          </p:cNvPr>
+          <p:cNvSpPr>
+            <a:spLocks noGrp="1"/>
+          </p:cNvSpPr>
+          <p:nvPr>
+            <p:ph type="title"/>
+          </p:nvPr>
+        </p:nvSpPr>
+        <p:spPr>
+          <a:xfrm>
+            <a:off x="838200" y="365125"/>
+            <a:ext cx="10515600" cy="1325563"/>
+          </a:xfrm>
+          <a:ln/>
+        </p:spPr>
+        <p:style>
+          <a:lnRef idx="2">
+            <a:schemeClr val="accent1">
+              <a:shade val="50000"/>
+            </a:schemeClr>
+          </a:lnRef>
+          <a:fillRef idx="1">
+            <a:schemeClr val="accent1"/>
+          </a:fillRef>
+          <a:effectRef idx="0">
+            <a:schemeClr val="accent1"/>
           </a:effectRef>
           <a:fontRef idx="minor">
             <a:schemeClr val="lt1"/>
           </a:fontRef>
         </p:style>
+        <p:txBody>
+          <a:bodyPr/>
+          <a:lstStyle/>
+          <a:p>
+            <a:r>
+              <a:rPr lang="it-IT" dirty="0"/>
+              <a:t>JIRA – BOARD [3]</a:t>
+            </a:r>
+          </a:p>
+        </p:txBody>
+      </p:sp>
+      <p:pic>
+        <p:nvPicPr>
+          <p:cNvPr id="6" name="Segnaposto contenuto 5">
+            <a:extLst>
+              <a:ext uri="{FF2B5EF4-FFF2-40B4-BE49-F238E27FC236}">
+                <a16:creationId xmlns:a16="http://schemas.microsoft.com/office/drawing/2014/main" id="{E761DDE3-9D78-4C5D-848A-8D1A476A7C1A}"/>
+              </a:ext>
+            </a:extLst>
+          </p:cNvPr>
+          <p:cNvPicPr>
+            <a:picLocks noGrp="1" noChangeAspect="1"/>
+          </p:cNvPicPr>
+          <p:nvPr>
+            <p:ph sz="half" idx="2"/>
+          </p:nvPr>
+        </p:nvPicPr>
+        <p:blipFill>
+          <a:blip r:embed="rId2"/>
+          <a:stretch>
+            <a:fillRect/>
+          </a:stretch>
+        </p:blipFill>
+        <p:spPr>
+          <a:xfrm>
+            <a:off x="6172200" y="2457489"/>
+            <a:ext cx="5181600" cy="3087609"/>
+          </a:xfrm>
+          <a:prstGeom prst="rect">
+            <a:avLst/>
+          </a:prstGeom>
+        </p:spPr>
       </p:pic>
     </p:spTree>
     <p:extLst>
       <p:ext uri="{BB962C8B-B14F-4D97-AF65-F5344CB8AC3E}">
-        <p14:creationId xmlns:p14="http://schemas.microsoft.com/office/powerpoint/2010/main" val="1183338106"/>
+        <p14:creationId xmlns:p14="http://schemas.microsoft.com/office/powerpoint/2010/main" val="3389311864"/>
       </p:ext>
     </p:extLst>
   </p:cSld>
